--- a/english_mid.pptx
+++ b/english_mid.pptx
@@ -4711,7 +4711,7 @@
         <p:spPr>
           <a:xfrm>
             <a:off x="838200" y="1528162"/>
-            <a:ext cx="4101353" cy="461665"/>
+            <a:ext cx="7576595" cy="3785652"/>
           </a:xfrm>
           <a:prstGeom prst="rect">
             <a:avLst/>
@@ -4731,6 +4731,37 @@
             <a:r>
               <a:rPr kumimoji="1" lang="en-US" altLang="ja-JP" sz="2400" dirty="0"/>
               <a:t>Experiment environment</a:t>
+            </a:r>
+          </a:p>
+          <a:p>
+            <a:pPr marL="285750" indent="-285750">
+              <a:buFont typeface="Arial" panose="020B0604020202020204" pitchFamily="34" charset="0"/>
+              <a:buChar char="•"/>
+            </a:pPr>
+            <a:endParaRPr lang="en-US" altLang="ja-JP" sz="2400" dirty="0"/>
+          </a:p>
+          <a:p>
+            <a:r>
+              <a:rPr kumimoji="1" lang="en-US" altLang="ja-JP" sz="2400" dirty="0"/>
+              <a:t>16 cursors including 15 dummies are displayed at the top of the screen.</a:t>
+            </a:r>
+          </a:p>
+          <a:p>
+            <a:r>
+              <a:rPr kumimoji="1" lang="en-US" altLang="ja-JP" sz="2400" dirty="0"/>
+              <a:t>The bottom part of the screen is swiped to control the cursors.</a:t>
+            </a:r>
+          </a:p>
+          <a:p>
+            <a:r>
+              <a:rPr kumimoji="1" lang="en-US" altLang="ja-JP" sz="2400" dirty="0"/>
+              <a:t>Real cursors move in conjunction with finger movement.</a:t>
+            </a:r>
+          </a:p>
+          <a:p>
+            <a:r>
+              <a:rPr kumimoji="1" lang="en-US" altLang="ja-JP" sz="2400" dirty="0"/>
+              <a:t>While the operator moves the cursor, each dummy cursor moves in its own way.</a:t>
             </a:r>
             <a:endParaRPr kumimoji="1" lang="ja-JP" altLang="en-US" sz="2400" dirty="0"/>
           </a:p>
@@ -4826,26 +4857,56 @@
       </p:sp>
       <p:sp>
         <p:nvSpPr>
-          <p:cNvPr id="5" name="コンテンツ プレースホルダー 4">
-            <a:extLst>
-              <a:ext uri="{FF2B5EF4-FFF2-40B4-BE49-F238E27FC236}">
-                <a16:creationId xmlns:a16="http://schemas.microsoft.com/office/drawing/2014/main" id="{1B7E7EE0-844B-2C8C-CB8D-CCC508D2A451}"/>
-              </a:ext>
-            </a:extLst>
-          </p:cNvPr>
-          <p:cNvSpPr>
-            <a:spLocks noGrp="1"/>
-          </p:cNvSpPr>
-          <p:nvPr>
-            <p:ph idx="1"/>
-          </p:nvPr>
-        </p:nvSpPr>
-        <p:spPr/>
-        <p:txBody>
-          <a:bodyPr/>
-          <a:lstStyle/>
-          <a:p>
-            <a:endParaRPr lang="ja-JP" altLang="en-US"/>
+          <p:cNvPr id="3" name="テキスト ボックス 2">
+            <a:extLst>
+              <a:ext uri="{FF2B5EF4-FFF2-40B4-BE49-F238E27FC236}">
+                <a16:creationId xmlns:a16="http://schemas.microsoft.com/office/drawing/2014/main" id="{FA1F52E1-7AD5-5D40-1F8D-9E2C09EF6C3C}"/>
+              </a:ext>
+            </a:extLst>
+          </p:cNvPr>
+          <p:cNvSpPr txBox="1"/>
+          <p:nvPr/>
+        </p:nvSpPr>
+        <p:spPr>
+          <a:xfrm>
+            <a:off x="838200" y="1528162"/>
+            <a:ext cx="7576595" cy="1569660"/>
+          </a:xfrm>
+          <a:prstGeom prst="rect">
+            <a:avLst/>
+          </a:prstGeom>
+          <a:noFill/>
+        </p:spPr>
+        <p:txBody>
+          <a:bodyPr wrap="square" rtlCol="0">
+            <a:spAutoFit/>
+          </a:bodyPr>
+          <a:lstStyle/>
+          <a:p>
+            <a:pPr marL="285750" indent="-285750">
+              <a:buFont typeface="Arial" panose="020B0604020202020204" pitchFamily="34" charset="0"/>
+              <a:buChar char="•"/>
+            </a:pPr>
+            <a:r>
+              <a:rPr kumimoji="1" lang="en-US" altLang="ja-JP" sz="2400" dirty="0"/>
+              <a:t>Controller</a:t>
+            </a:r>
+          </a:p>
+          <a:p>
+            <a:pPr marL="285750" indent="-285750">
+              <a:buFont typeface="Arial" panose="020B0604020202020204" pitchFamily="34" charset="0"/>
+              <a:buChar char="•"/>
+            </a:pPr>
+            <a:r>
+              <a:rPr lang="en-US" altLang="ja-JP" sz="2400" dirty="0"/>
+              <a:t>Observer</a:t>
+            </a:r>
+          </a:p>
+          <a:p>
+            <a:endParaRPr kumimoji="1" lang="en-US" altLang="ja-JP" sz="2400"/>
+          </a:p>
+          <a:p>
+            <a:endParaRPr kumimoji="1" lang="ja-JP" altLang="en-US" sz="2400" dirty="0"/>
           </a:p>
         </p:txBody>
       </p:sp>

--- a/english_mid.pptx
+++ b/english_mid.pptx
@@ -4870,7 +4870,7 @@
         <p:spPr>
           <a:xfrm>
             <a:off x="838200" y="1528162"/>
-            <a:ext cx="7576595" cy="1569660"/>
+            <a:ext cx="7576595" cy="2308324"/>
           </a:xfrm>
           <a:prstGeom prst="rect">
             <a:avLst/>
@@ -4897,13 +4897,23 @@
               <a:buFont typeface="Arial" panose="020B0604020202020204" pitchFamily="34" charset="0"/>
               <a:buChar char="•"/>
             </a:pPr>
+            <a:endParaRPr lang="en-US" altLang="ja-JP" sz="2400" dirty="0"/>
+          </a:p>
+          <a:p>
+            <a:endParaRPr kumimoji="1" lang="en-US" altLang="ja-JP" sz="2400" dirty="0"/>
+          </a:p>
+          <a:p>
+            <a:pPr marL="285750" indent="-285750">
+              <a:buFont typeface="Arial" panose="020B0604020202020204" pitchFamily="34" charset="0"/>
+              <a:buChar char="•"/>
+            </a:pPr>
             <a:r>
               <a:rPr lang="en-US" altLang="ja-JP" sz="2400" dirty="0"/>
               <a:t>Observer</a:t>
             </a:r>
           </a:p>
           <a:p>
-            <a:endParaRPr kumimoji="1" lang="en-US" altLang="ja-JP" sz="2400"/>
+            <a:endParaRPr kumimoji="1" lang="en-US" altLang="ja-JP" sz="2400" dirty="0"/>
           </a:p>
           <a:p>
             <a:endParaRPr kumimoji="1" lang="ja-JP" altLang="en-US" sz="2400" dirty="0"/>

--- a/english_mid.pptx
+++ b/english_mid.pptx
@@ -205,7 +205,7 @@
           <a:p>
             <a:fld id="{6E685645-519D-4388-A916-88B142B05884}" type="datetimeFigureOut">
               <a:rPr kumimoji="1" lang="ja-JP" altLang="en-US" smtClean="0"/>
-              <a:t>2022/10/26</a:t>
+              <a:t>2022/11/8</a:t>
             </a:fld>
             <a:endParaRPr kumimoji="1" lang="ja-JP" altLang="en-US"/>
           </a:p>
@@ -1001,7 +1001,7 @@
           <a:p>
             <a:fld id="{5E4B8086-B96A-4817-9521-2F145BB22C28}" type="datetime1">
               <a:rPr kumimoji="1" lang="ja-JP" altLang="en-US" smtClean="0"/>
-              <a:t>2022/10/26</a:t>
+              <a:t>2022/11/8</a:t>
             </a:fld>
             <a:endParaRPr kumimoji="1" lang="ja-JP" altLang="en-US"/>
           </a:p>
@@ -1241,7 +1241,7 @@
           <a:p>
             <a:fld id="{F8B4DAA0-091F-4F16-897C-F0DB3F1DF775}" type="datetime1">
               <a:rPr kumimoji="1" lang="ja-JP" altLang="en-US" smtClean="0"/>
-              <a:t>2022/10/26</a:t>
+              <a:t>2022/11/8</a:t>
             </a:fld>
             <a:endParaRPr kumimoji="1" lang="ja-JP" altLang="en-US"/>
           </a:p>
@@ -1489,7 +1489,7 @@
           <a:p>
             <a:fld id="{84DE2112-83AA-41DC-A102-755731DA7B82}" type="datetime1">
               <a:rPr kumimoji="1" lang="ja-JP" altLang="en-US" smtClean="0"/>
-              <a:t>2022/10/26</a:t>
+              <a:t>2022/11/8</a:t>
             </a:fld>
             <a:endParaRPr kumimoji="1" lang="ja-JP" altLang="en-US"/>
           </a:p>
@@ -1764,7 +1764,7 @@
           <a:p>
             <a:fld id="{09ACCE86-9490-4713-A171-889B47FC0932}" type="datetime1">
               <a:rPr kumimoji="1" lang="ja-JP" altLang="en-US" smtClean="0"/>
-              <a:t>2022/10/26</a:t>
+              <a:t>2022/11/8</a:t>
             </a:fld>
             <a:endParaRPr kumimoji="1" lang="ja-JP" altLang="en-US"/>
           </a:p>
@@ -2093,7 +2093,7 @@
           <a:p>
             <a:fld id="{455265CE-362B-474A-9A52-3018E018A08D}" type="datetime1">
               <a:rPr kumimoji="1" lang="ja-JP" altLang="en-US" smtClean="0"/>
-              <a:t>2022/10/26</a:t>
+              <a:t>2022/11/8</a:t>
             </a:fld>
             <a:endParaRPr kumimoji="1" lang="ja-JP" altLang="en-US"/>
           </a:p>
@@ -2569,7 +2569,7 @@
           <a:p>
             <a:fld id="{81007211-A953-473B-A1C5-17FBB7ECDFA8}" type="datetime1">
               <a:rPr kumimoji="1" lang="ja-JP" altLang="en-US" smtClean="0"/>
-              <a:t>2022/10/26</a:t>
+              <a:t>2022/11/8</a:t>
             </a:fld>
             <a:endParaRPr kumimoji="1" lang="ja-JP" altLang="en-US"/>
           </a:p>
@@ -2710,7 +2710,7 @@
           <a:p>
             <a:fld id="{8B619366-5DCA-457E-AC95-1DE564F6191B}" type="datetime1">
               <a:rPr kumimoji="1" lang="ja-JP" altLang="en-US" smtClean="0"/>
-              <a:t>2022/10/26</a:t>
+              <a:t>2022/11/8</a:t>
             </a:fld>
             <a:endParaRPr kumimoji="1" lang="ja-JP" altLang="en-US"/>
           </a:p>
@@ -2823,7 +2823,7 @@
           <a:p>
             <a:fld id="{AE71C5DE-1A9D-4A1B-8DD2-581409A4A5A1}" type="datetime1">
               <a:rPr kumimoji="1" lang="ja-JP" altLang="en-US" smtClean="0"/>
-              <a:t>2022/10/26</a:t>
+              <a:t>2022/11/8</a:t>
             </a:fld>
             <a:endParaRPr kumimoji="1" lang="ja-JP" altLang="en-US"/>
           </a:p>
@@ -3166,7 +3166,7 @@
           <a:p>
             <a:fld id="{A6368CCD-D46A-4CF3-95BB-44F1FCCA0232}" type="datetime1">
               <a:rPr kumimoji="1" lang="ja-JP" altLang="en-US" smtClean="0"/>
-              <a:t>2022/10/26</a:t>
+              <a:t>2022/11/8</a:t>
             </a:fld>
             <a:endParaRPr kumimoji="1" lang="ja-JP" altLang="en-US"/>
           </a:p>
@@ -3457,7 +3457,7 @@
           <a:p>
             <a:fld id="{D7CAD2A2-45F5-4B65-A405-21BD811A434F}" type="datetime1">
               <a:rPr kumimoji="1" lang="ja-JP" altLang="en-US" smtClean="0"/>
-              <a:t>2022/10/26</a:t>
+              <a:t>2022/11/8</a:t>
             </a:fld>
             <a:endParaRPr kumimoji="1" lang="ja-JP" altLang="en-US"/>
           </a:p>
@@ -3730,7 +3730,7 @@
           <a:p>
             <a:fld id="{28711B3C-FF34-4024-A7CE-FE885127FBFC}" type="datetime1">
               <a:rPr kumimoji="1" lang="ja-JP" altLang="en-US" smtClean="0"/>
-              <a:t>2022/10/26</a:t>
+              <a:t>2022/11/8</a:t>
             </a:fld>
             <a:endParaRPr kumimoji="1" lang="ja-JP" altLang="en-US"/>
           </a:p>
@@ -4164,33 +4164,26 @@
             <p:ph type="ctrTitle"/>
           </p:nvPr>
         </p:nvSpPr>
-        <p:spPr/>
+        <p:spPr>
+          <a:xfrm>
+            <a:off x="1523999" y="1122363"/>
+            <a:ext cx="9529823" cy="2387600"/>
+          </a:xfrm>
+        </p:spPr>
         <p:txBody>
           <a:bodyPr/>
           <a:lstStyle/>
           <a:p>
             <a:r>
               <a:rPr kumimoji="1" lang="en-US" altLang="ja-JP" dirty="0"/>
-              <a:t>Dummy</a:t>
-            </a:r>
-            <a:r>
-              <a:rPr kumimoji="1" lang="ja-JP" altLang="en-US" dirty="0"/>
-              <a:t> </a:t>
-            </a:r>
-            <a:r>
-              <a:rPr kumimoji="1" lang="en-US" altLang="ja-JP" dirty="0"/>
-              <a:t>cursor experiment</a:t>
+              <a:t>The Experiment of</a:t>
             </a:r>
             <a:br>
               <a:rPr kumimoji="1" lang="en-US" altLang="ja-JP" dirty="0"/>
             </a:br>
             <a:r>
               <a:rPr kumimoji="1" lang="en-US" altLang="ja-JP" dirty="0"/>
-              <a:t>on </a:t>
-            </a:r>
-            <a:r>
-              <a:rPr kumimoji="1" lang="en-US" altLang="ja-JP" dirty="0" err="1"/>
-              <a:t>SmartPhone</a:t>
+              <a:t>Dummy Cursor on Smartphone</a:t>
             </a:r>
             <a:endParaRPr kumimoji="1" lang="ja-JP" altLang="en-US" dirty="0"/>
           </a:p>

--- a/english_mid.pptx
+++ b/english_mid.pptx
@@ -4376,19 +4376,24 @@
         </p:nvSpPr>
         <p:spPr/>
         <p:txBody>
-          <a:bodyPr/>
+          <a:bodyPr>
+            <a:normAutofit/>
+          </a:bodyPr>
           <a:lstStyle/>
           <a:p>
             <a:pPr marL="0" indent="0">
               <a:buNone/>
             </a:pPr>
             <a:r>
-              <a:rPr kumimoji="1" lang="en-US" altLang="ja-JP" dirty="0"/>
-              <a:t>Through Multiple Dummy Cursors experiment, it is clear that the users can easily recognize a self-controlled cursor and people observing the users experienced difficulty recognizing the user-controlled cursor from the dummy cursors. </a:t>
-            </a:r>
-          </a:p>
-          <a:p>
-            <a:endParaRPr kumimoji="1" lang="ja-JP" altLang="en-US" dirty="0"/>
+              <a:rPr lang="en-US" altLang="ja-JP" dirty="0">
+                <a:effectLst/>
+                <a:latin typeface="+mn-ea"/>
+              </a:rPr>
+              <a:t>Through Multiple Dummy Cursors experiment, it is clear that the users can easily identify a self-controlled cursor and people who is trying to identify the user-controlled cursor experienced difficulty identifying the user-controlled cursor from the dummy cursors. </a:t>
+            </a:r>
+            <a:endParaRPr kumimoji="1" lang="ja-JP" altLang="en-US" sz="4000" dirty="0">
+              <a:latin typeface="+mn-ea"/>
+            </a:endParaRPr>
           </a:p>
         </p:txBody>
       </p:sp>
@@ -4421,6 +4426,42 @@
           </a:p>
         </p:txBody>
       </p:sp>
+      <p:pic>
+        <p:nvPicPr>
+          <p:cNvPr id="6" name="図 5">
+            <a:extLst>
+              <a:ext uri="{FF2B5EF4-FFF2-40B4-BE49-F238E27FC236}">
+                <a16:creationId xmlns:a16="http://schemas.microsoft.com/office/drawing/2014/main" id="{B7A0DA9C-41E4-5269-8525-8865F31C11DC}"/>
+              </a:ext>
+            </a:extLst>
+          </p:cNvPr>
+          <p:cNvPicPr>
+            <a:picLocks noChangeAspect="1"/>
+          </p:cNvPicPr>
+          <p:nvPr/>
+        </p:nvPicPr>
+        <p:blipFill>
+          <a:blip r:embed="rId2">
+            <a:extLst>
+              <a:ext uri="{28A0092B-C50C-407E-A947-70E740481C1C}">
+                <a14:useLocalDpi xmlns:a14="http://schemas.microsoft.com/office/drawing/2010/main" val="0"/>
+              </a:ext>
+            </a:extLst>
+          </a:blip>
+          <a:stretch>
+            <a:fillRect/>
+          </a:stretch>
+        </p:blipFill>
+        <p:spPr>
+          <a:xfrm>
+            <a:off x="3176928" y="3581278"/>
+            <a:ext cx="5433672" cy="3056441"/>
+          </a:xfrm>
+          <a:prstGeom prst="rect">
+            <a:avLst/>
+          </a:prstGeom>
+        </p:spPr>
+      </p:pic>
     </p:spTree>
     <p:extLst>
       <p:ext uri="{BB962C8B-B14F-4D97-AF65-F5344CB8AC3E}">
@@ -4513,13 +4554,13 @@
             </a:pPr>
             <a:r>
               <a:rPr kumimoji="1" lang="en-US" altLang="ja-JP" sz="3600" dirty="0">
-                <a:latin typeface="Century" panose="02040604050505020304" pitchFamily="18" charset="0"/>
+                <a:latin typeface="+mn-ea"/>
               </a:rPr>
               <a:t>Does th</a:t>
             </a:r>
             <a:r>
               <a:rPr lang="en-US" altLang="ja-JP" sz="3600" dirty="0">
-                <a:latin typeface="Century" panose="02040604050505020304" pitchFamily="18" charset="0"/>
+                <a:latin typeface="+mn-ea"/>
               </a:rPr>
               <a:t>e phenomenon apply </a:t>
             </a:r>
@@ -4530,7 +4571,7 @@
             </a:pPr>
             <a:r>
               <a:rPr lang="en-US" altLang="ja-JP" sz="3600" dirty="0">
-                <a:latin typeface="Century" panose="02040604050505020304" pitchFamily="18" charset="0"/>
+                <a:latin typeface="+mn-ea"/>
               </a:rPr>
               <a:t>to smartphone as well?</a:t>
             </a:r>
@@ -4882,7 +4923,7 @@
             </a:pPr>
             <a:r>
               <a:rPr kumimoji="1" lang="en-US" altLang="ja-JP" sz="2400" dirty="0"/>
-              <a:t>Controller</a:t>
+              <a:t>Controllers</a:t>
             </a:r>
           </a:p>
           <a:p>
@@ -4896,13 +4937,51 @@
             <a:endParaRPr kumimoji="1" lang="en-US" altLang="ja-JP" sz="2400" dirty="0"/>
           </a:p>
           <a:p>
+            <a:endParaRPr lang="en-US" altLang="ja-JP" sz="2400" dirty="0"/>
+          </a:p>
+          <a:p>
+            <a:endParaRPr kumimoji="1" lang="en-US" altLang="ja-JP" sz="2400" dirty="0"/>
+          </a:p>
+          <a:p>
+            <a:endParaRPr kumimoji="1" lang="ja-JP" altLang="en-US" sz="2400" dirty="0"/>
+          </a:p>
+        </p:txBody>
+      </p:sp>
+      <p:sp>
+        <p:nvSpPr>
+          <p:cNvPr id="6" name="テキスト ボックス 5">
+            <a:extLst>
+              <a:ext uri="{FF2B5EF4-FFF2-40B4-BE49-F238E27FC236}">
+                <a16:creationId xmlns:a16="http://schemas.microsoft.com/office/drawing/2014/main" id="{51D821C9-A97C-F005-ACD0-96E4652A0602}"/>
+              </a:ext>
+            </a:extLst>
+          </p:cNvPr>
+          <p:cNvSpPr txBox="1"/>
+          <p:nvPr/>
+        </p:nvSpPr>
+        <p:spPr>
+          <a:xfrm>
+            <a:off x="838199" y="3429000"/>
+            <a:ext cx="7576595" cy="1200329"/>
+          </a:xfrm>
+          <a:prstGeom prst="rect">
+            <a:avLst/>
+          </a:prstGeom>
+          <a:noFill/>
+        </p:spPr>
+        <p:txBody>
+          <a:bodyPr wrap="square" rtlCol="0">
+            <a:spAutoFit/>
+          </a:bodyPr>
+          <a:lstStyle/>
+          <a:p>
             <a:pPr marL="285750" indent="-285750">
               <a:buFont typeface="Arial" panose="020B0604020202020204" pitchFamily="34" charset="0"/>
               <a:buChar char="•"/>
             </a:pPr>
             <a:r>
               <a:rPr lang="en-US" altLang="ja-JP" sz="2400" dirty="0"/>
-              <a:t>Observer</a:t>
+              <a:t>Observers</a:t>
             </a:r>
           </a:p>
           <a:p>
@@ -4910,6 +4989,86 @@
           </a:p>
           <a:p>
             <a:endParaRPr kumimoji="1" lang="ja-JP" altLang="en-US" sz="2400" dirty="0"/>
+          </a:p>
+        </p:txBody>
+      </p:sp>
+      <p:sp>
+        <p:nvSpPr>
+          <p:cNvPr id="7" name="テキスト ボックス 6">
+            <a:extLst>
+              <a:ext uri="{FF2B5EF4-FFF2-40B4-BE49-F238E27FC236}">
+                <a16:creationId xmlns:a16="http://schemas.microsoft.com/office/drawing/2014/main" id="{CB0C21AC-7951-6C5E-98DA-50BA8D156457}"/>
+              </a:ext>
+            </a:extLst>
+          </p:cNvPr>
+          <p:cNvSpPr txBox="1"/>
+          <p:nvPr/>
+        </p:nvSpPr>
+        <p:spPr>
+          <a:xfrm>
+            <a:off x="1104405" y="1989826"/>
+            <a:ext cx="9892146" cy="830997"/>
+          </a:xfrm>
+          <a:prstGeom prst="rect">
+            <a:avLst/>
+          </a:prstGeom>
+          <a:noFill/>
+        </p:spPr>
+        <p:txBody>
+          <a:bodyPr wrap="square" rtlCol="0">
+            <a:spAutoFit/>
+          </a:bodyPr>
+          <a:lstStyle/>
+          <a:p>
+            <a:r>
+              <a:rPr lang="en-US" altLang="ja-JP" sz="2400" dirty="0"/>
+              <a:t>First, tap the start button. Then, s</a:t>
+            </a:r>
+            <a:r>
+              <a:rPr kumimoji="1" lang="en-US" altLang="ja-JP" sz="2400" dirty="0"/>
+              <a:t>wipe the screen and find real cursor. </a:t>
+            </a:r>
+            <a:r>
+              <a:rPr lang="en-US" altLang="ja-JP" sz="2400" dirty="0"/>
+              <a:t>When they think they've found the real cursor, triple-tap it.</a:t>
+            </a:r>
+            <a:endParaRPr kumimoji="1" lang="ja-JP" altLang="en-US" sz="2400"/>
+          </a:p>
+        </p:txBody>
+      </p:sp>
+      <p:sp>
+        <p:nvSpPr>
+          <p:cNvPr id="8" name="テキスト ボックス 7">
+            <a:extLst>
+              <a:ext uri="{FF2B5EF4-FFF2-40B4-BE49-F238E27FC236}">
+                <a16:creationId xmlns:a16="http://schemas.microsoft.com/office/drawing/2014/main" id="{12E99CBE-6600-00A9-D28F-9E728FB7F898}"/>
+              </a:ext>
+            </a:extLst>
+          </p:cNvPr>
+          <p:cNvSpPr txBox="1"/>
+          <p:nvPr/>
+        </p:nvSpPr>
+        <p:spPr>
+          <a:xfrm>
+            <a:off x="1104405" y="3948044"/>
+            <a:ext cx="9892146" cy="461665"/>
+          </a:xfrm>
+          <a:prstGeom prst="rect">
+            <a:avLst/>
+          </a:prstGeom>
+          <a:noFill/>
+        </p:spPr>
+        <p:txBody>
+          <a:bodyPr wrap="square" rtlCol="0">
+            <a:spAutoFit/>
+          </a:bodyPr>
+          <a:lstStyle/>
+          <a:p>
+            <a:r>
+              <a:rPr kumimoji="1" lang="en-US" altLang="ja-JP" sz="2400" dirty="0"/>
+              <a:t>Find the real cursor next to the controllers. </a:t>
+            </a:r>
+            <a:endParaRPr kumimoji="1" lang="ja-JP" altLang="en-US" sz="2400"/>
           </a:p>
         </p:txBody>
       </p:sp>
@@ -4988,11 +5147,20 @@
             <p:ph idx="1"/>
           </p:nvPr>
         </p:nvSpPr>
-        <p:spPr/>
-        <p:txBody>
-          <a:bodyPr/>
-          <a:lstStyle/>
-          <a:p>
+        <p:spPr>
+          <a:xfrm>
+            <a:off x="838200" y="1553593"/>
+            <a:ext cx="10515600" cy="560215"/>
+          </a:xfrm>
+        </p:spPr>
+        <p:txBody>
+          <a:bodyPr/>
+          <a:lstStyle/>
+          <a:p>
+            <a:r>
+              <a:rPr kumimoji="1" lang="en-US" altLang="ja-JP" dirty="0"/>
+              <a:t>The time the controllers found</a:t>
+            </a:r>
             <a:endParaRPr kumimoji="1" lang="ja-JP" altLang="en-US"/>
           </a:p>
         </p:txBody>
@@ -5023,6 +5191,314 @@
               <a:t>5</a:t>
             </a:fld>
             <a:endParaRPr kumimoji="1" lang="ja-JP" altLang="en-US"/>
+          </a:p>
+        </p:txBody>
+      </p:sp>
+      <p:sp>
+        <p:nvSpPr>
+          <p:cNvPr id="5" name="テキスト ボックス 4">
+            <a:extLst>
+              <a:ext uri="{FF2B5EF4-FFF2-40B4-BE49-F238E27FC236}">
+                <a16:creationId xmlns:a16="http://schemas.microsoft.com/office/drawing/2014/main" id="{5EE5D1DA-C141-91FC-7ACC-AF41E22056F0}"/>
+              </a:ext>
+            </a:extLst>
+          </p:cNvPr>
+          <p:cNvSpPr txBox="1"/>
+          <p:nvPr/>
+        </p:nvSpPr>
+        <p:spPr>
+          <a:xfrm>
+            <a:off x="1068779" y="2035869"/>
+            <a:ext cx="2258952" cy="461665"/>
+          </a:xfrm>
+          <a:prstGeom prst="rect">
+            <a:avLst/>
+          </a:prstGeom>
+          <a:noFill/>
+        </p:spPr>
+        <p:txBody>
+          <a:bodyPr wrap="none" rtlCol="0">
+            <a:spAutoFit/>
+          </a:bodyPr>
+          <a:lstStyle/>
+          <a:p>
+            <a:r>
+              <a:rPr kumimoji="1" lang="en-US" altLang="ja-JP" sz="2400" dirty="0"/>
+              <a:t>Average: 8.45s</a:t>
+            </a:r>
+            <a:endParaRPr kumimoji="1" lang="ja-JP" altLang="en-US" sz="2400"/>
+          </a:p>
+        </p:txBody>
+      </p:sp>
+      <p:sp>
+        <p:nvSpPr>
+          <p:cNvPr id="6" name="テキスト ボックス 5">
+            <a:extLst>
+              <a:ext uri="{FF2B5EF4-FFF2-40B4-BE49-F238E27FC236}">
+                <a16:creationId xmlns:a16="http://schemas.microsoft.com/office/drawing/2014/main" id="{706125FA-0610-03AB-0EAC-EB0363A34C32}"/>
+              </a:ext>
+            </a:extLst>
+          </p:cNvPr>
+          <p:cNvSpPr txBox="1"/>
+          <p:nvPr/>
+        </p:nvSpPr>
+        <p:spPr>
+          <a:xfrm>
+            <a:off x="3558310" y="2035868"/>
+            <a:ext cx="2173993" cy="461665"/>
+          </a:xfrm>
+          <a:prstGeom prst="rect">
+            <a:avLst/>
+          </a:prstGeom>
+          <a:noFill/>
+        </p:spPr>
+        <p:txBody>
+          <a:bodyPr wrap="none" rtlCol="0">
+            <a:spAutoFit/>
+          </a:bodyPr>
+          <a:lstStyle/>
+          <a:p>
+            <a:r>
+              <a:rPr kumimoji="1" lang="en-US" altLang="ja-JP" sz="2400" dirty="0"/>
+              <a:t>Median: 8.64s</a:t>
+            </a:r>
+            <a:endParaRPr kumimoji="1" lang="ja-JP" altLang="en-US" sz="2400"/>
+          </a:p>
+        </p:txBody>
+      </p:sp>
+      <p:sp>
+        <p:nvSpPr>
+          <p:cNvPr id="7" name="コンテンツ プレースホルダー 2">
+            <a:extLst>
+              <a:ext uri="{FF2B5EF4-FFF2-40B4-BE49-F238E27FC236}">
+                <a16:creationId xmlns:a16="http://schemas.microsoft.com/office/drawing/2014/main" id="{6A4B0D00-85B7-13DB-B6AD-32B8739CBBB7}"/>
+              </a:ext>
+            </a:extLst>
+          </p:cNvPr>
+          <p:cNvSpPr txBox="1">
+            <a:spLocks/>
+          </p:cNvSpPr>
+          <p:nvPr/>
+        </p:nvSpPr>
+        <p:spPr>
+          <a:xfrm>
+            <a:off x="838200" y="2699700"/>
+            <a:ext cx="10515600" cy="560215"/>
+          </a:xfrm>
+          <a:prstGeom prst="rect">
+            <a:avLst/>
+          </a:prstGeom>
+        </p:spPr>
+        <p:txBody>
+          <a:bodyPr vert="horz" lIns="91440" tIns="45720" rIns="91440" bIns="45720" rtlCol="0">
+            <a:normAutofit/>
+          </a:bodyPr>
+          <a:lstStyle>
+            <a:lvl1pPr marL="228600" indent="-228600" algn="l" defTabSz="914400" rtl="0" eaLnBrk="1" latinLnBrk="0" hangingPunct="1">
+              <a:lnSpc>
+                <a:spcPct val="90000"/>
+              </a:lnSpc>
+              <a:spcBef>
+                <a:spcPts val="1000"/>
+              </a:spcBef>
+              <a:buFont typeface="Arial" panose="020B0604020202020204" pitchFamily="34" charset="0"/>
+              <a:buChar char="•"/>
+              <a:defRPr kumimoji="1" sz="2800" kern="1200">
+                <a:solidFill>
+                  <a:schemeClr val="tx1"/>
+                </a:solidFill>
+                <a:latin typeface="+mn-lt"/>
+                <a:ea typeface="+mn-ea"/>
+                <a:cs typeface="+mn-cs"/>
+              </a:defRPr>
+            </a:lvl1pPr>
+            <a:lvl2pPr marL="685800" indent="-228600" algn="l" defTabSz="914400" rtl="0" eaLnBrk="1" latinLnBrk="0" hangingPunct="1">
+              <a:lnSpc>
+                <a:spcPct val="90000"/>
+              </a:lnSpc>
+              <a:spcBef>
+                <a:spcPts val="500"/>
+              </a:spcBef>
+              <a:buFont typeface="Arial" panose="020B0604020202020204" pitchFamily="34" charset="0"/>
+              <a:buChar char="•"/>
+              <a:defRPr kumimoji="1" sz="2400" kern="1200">
+                <a:solidFill>
+                  <a:schemeClr val="tx1"/>
+                </a:solidFill>
+                <a:latin typeface="+mn-lt"/>
+                <a:ea typeface="+mn-ea"/>
+                <a:cs typeface="+mn-cs"/>
+              </a:defRPr>
+            </a:lvl2pPr>
+            <a:lvl3pPr marL="1143000" indent="-228600" algn="l" defTabSz="914400" rtl="0" eaLnBrk="1" latinLnBrk="0" hangingPunct="1">
+              <a:lnSpc>
+                <a:spcPct val="90000"/>
+              </a:lnSpc>
+              <a:spcBef>
+                <a:spcPts val="500"/>
+              </a:spcBef>
+              <a:buFont typeface="Arial" panose="020B0604020202020204" pitchFamily="34" charset="0"/>
+              <a:buChar char="•"/>
+              <a:defRPr kumimoji="1" sz="2000" kern="1200">
+                <a:solidFill>
+                  <a:schemeClr val="tx1"/>
+                </a:solidFill>
+                <a:latin typeface="+mn-lt"/>
+                <a:ea typeface="+mn-ea"/>
+                <a:cs typeface="+mn-cs"/>
+              </a:defRPr>
+            </a:lvl3pPr>
+            <a:lvl4pPr marL="1600200" indent="-228600" algn="l" defTabSz="914400" rtl="0" eaLnBrk="1" latinLnBrk="0" hangingPunct="1">
+              <a:lnSpc>
+                <a:spcPct val="90000"/>
+              </a:lnSpc>
+              <a:spcBef>
+                <a:spcPts val="500"/>
+              </a:spcBef>
+              <a:buFont typeface="Arial" panose="020B0604020202020204" pitchFamily="34" charset="0"/>
+              <a:buChar char="•"/>
+              <a:defRPr kumimoji="1" sz="1800" kern="1200">
+                <a:solidFill>
+                  <a:schemeClr val="tx1"/>
+                </a:solidFill>
+                <a:latin typeface="+mn-lt"/>
+                <a:ea typeface="+mn-ea"/>
+                <a:cs typeface="+mn-cs"/>
+              </a:defRPr>
+            </a:lvl4pPr>
+            <a:lvl5pPr marL="2057400" indent="-228600" algn="l" defTabSz="914400" rtl="0" eaLnBrk="1" latinLnBrk="0" hangingPunct="1">
+              <a:lnSpc>
+                <a:spcPct val="90000"/>
+              </a:lnSpc>
+              <a:spcBef>
+                <a:spcPts val="500"/>
+              </a:spcBef>
+              <a:buFont typeface="Arial" panose="020B0604020202020204" pitchFamily="34" charset="0"/>
+              <a:buChar char="•"/>
+              <a:defRPr kumimoji="1" sz="1800" kern="1200">
+                <a:solidFill>
+                  <a:schemeClr val="tx1"/>
+                </a:solidFill>
+                <a:latin typeface="+mn-lt"/>
+                <a:ea typeface="+mn-ea"/>
+                <a:cs typeface="+mn-cs"/>
+              </a:defRPr>
+            </a:lvl5pPr>
+            <a:lvl6pPr marL="2514600" indent="-228600" algn="l" defTabSz="914400" rtl="0" eaLnBrk="1" latinLnBrk="0" hangingPunct="1">
+              <a:lnSpc>
+                <a:spcPct val="90000"/>
+              </a:lnSpc>
+              <a:spcBef>
+                <a:spcPts val="500"/>
+              </a:spcBef>
+              <a:buFont typeface="Arial" panose="020B0604020202020204" pitchFamily="34" charset="0"/>
+              <a:buChar char="•"/>
+              <a:defRPr kumimoji="1" sz="1800" kern="1200">
+                <a:solidFill>
+                  <a:schemeClr val="tx1"/>
+                </a:solidFill>
+                <a:latin typeface="+mn-lt"/>
+                <a:ea typeface="+mn-ea"/>
+                <a:cs typeface="+mn-cs"/>
+              </a:defRPr>
+            </a:lvl6pPr>
+            <a:lvl7pPr marL="2971800" indent="-228600" algn="l" defTabSz="914400" rtl="0" eaLnBrk="1" latinLnBrk="0" hangingPunct="1">
+              <a:lnSpc>
+                <a:spcPct val="90000"/>
+              </a:lnSpc>
+              <a:spcBef>
+                <a:spcPts val="500"/>
+              </a:spcBef>
+              <a:buFont typeface="Arial" panose="020B0604020202020204" pitchFamily="34" charset="0"/>
+              <a:buChar char="•"/>
+              <a:defRPr kumimoji="1" sz="1800" kern="1200">
+                <a:solidFill>
+                  <a:schemeClr val="tx1"/>
+                </a:solidFill>
+                <a:latin typeface="+mn-lt"/>
+                <a:ea typeface="+mn-ea"/>
+                <a:cs typeface="+mn-cs"/>
+              </a:defRPr>
+            </a:lvl7pPr>
+            <a:lvl8pPr marL="3429000" indent="-228600" algn="l" defTabSz="914400" rtl="0" eaLnBrk="1" latinLnBrk="0" hangingPunct="1">
+              <a:lnSpc>
+                <a:spcPct val="90000"/>
+              </a:lnSpc>
+              <a:spcBef>
+                <a:spcPts val="500"/>
+              </a:spcBef>
+              <a:buFont typeface="Arial" panose="020B0604020202020204" pitchFamily="34" charset="0"/>
+              <a:buChar char="•"/>
+              <a:defRPr kumimoji="1" sz="1800" kern="1200">
+                <a:solidFill>
+                  <a:schemeClr val="tx1"/>
+                </a:solidFill>
+                <a:latin typeface="+mn-lt"/>
+                <a:ea typeface="+mn-ea"/>
+                <a:cs typeface="+mn-cs"/>
+              </a:defRPr>
+            </a:lvl8pPr>
+            <a:lvl9pPr marL="3886200" indent="-228600" algn="l" defTabSz="914400" rtl="0" eaLnBrk="1" latinLnBrk="0" hangingPunct="1">
+              <a:lnSpc>
+                <a:spcPct val="90000"/>
+              </a:lnSpc>
+              <a:spcBef>
+                <a:spcPts val="500"/>
+              </a:spcBef>
+              <a:buFont typeface="Arial" panose="020B0604020202020204" pitchFamily="34" charset="0"/>
+              <a:buChar char="•"/>
+              <a:defRPr kumimoji="1" sz="1800" kern="1200">
+                <a:solidFill>
+                  <a:schemeClr val="tx1"/>
+                </a:solidFill>
+                <a:latin typeface="+mn-lt"/>
+                <a:ea typeface="+mn-ea"/>
+                <a:cs typeface="+mn-cs"/>
+              </a:defRPr>
+            </a:lvl9pPr>
+          </a:lstStyle>
+          <a:p>
+            <a:r>
+              <a:rPr lang="en-US" altLang="ja-JP" dirty="0"/>
+              <a:t>The number of times the observers found it first</a:t>
+            </a:r>
+            <a:endParaRPr lang="ja-JP" altLang="en-US"/>
+          </a:p>
+        </p:txBody>
+      </p:sp>
+      <p:sp>
+        <p:nvSpPr>
+          <p:cNvPr id="9" name="テキスト ボックス 8">
+            <a:extLst>
+              <a:ext uri="{FF2B5EF4-FFF2-40B4-BE49-F238E27FC236}">
+                <a16:creationId xmlns:a16="http://schemas.microsoft.com/office/drawing/2014/main" id="{40C6F58B-A0FF-E04E-FDA3-7ECB8EB1FC6F}"/>
+              </a:ext>
+            </a:extLst>
+          </p:cNvPr>
+          <p:cNvSpPr txBox="1"/>
+          <p:nvPr/>
+        </p:nvSpPr>
+        <p:spPr>
+          <a:xfrm>
+            <a:off x="1068779" y="3136421"/>
+            <a:ext cx="4766048" cy="461665"/>
+          </a:xfrm>
+          <a:prstGeom prst="rect">
+            <a:avLst/>
+          </a:prstGeom>
+          <a:noFill/>
+        </p:spPr>
+        <p:txBody>
+          <a:bodyPr wrap="none" rtlCol="0">
+            <a:spAutoFit/>
+          </a:bodyPr>
+          <a:lstStyle/>
+          <a:p>
+            <a:r>
+              <a:rPr kumimoji="1" lang="en-US" altLang="ja-JP" sz="2400" dirty="0"/>
+              <a:t>3 / 14 (right side: 1, left side: 2) </a:t>
+            </a:r>
+            <a:endParaRPr kumimoji="1" lang="ja-JP" altLang="en-US" sz="2400"/>
           </a:p>
         </p:txBody>
       </p:sp>
@@ -5106,7 +5582,17 @@
           <a:bodyPr/>
           <a:lstStyle/>
           <a:p>
-            <a:endParaRPr kumimoji="1" lang="ja-JP" altLang="en-US"/>
+            <a:pPr marL="0" indent="0">
+              <a:buNone/>
+            </a:pPr>
+            <a:r>
+              <a:rPr kumimoji="1" lang="en-US" altLang="ja-JP" dirty="0"/>
+              <a:t>In this experiment, we only researched about effectiveness of the Dummy Cursors. So, o</a:t>
+            </a:r>
+            <a:r>
+              <a:rPr lang="en-US" altLang="ja-JP" dirty="0"/>
+              <a:t>ur next goal is to research whether it helps prevent PIN peeping on smartphone as well as PC. Because 3 out of 14 people were able to find the real cursor, it can be evaluated as inadequate in terms of security.</a:t>
+            </a:r>
           </a:p>
         </p:txBody>
       </p:sp>
@@ -5331,6 +5817,32 @@
         <p:txBody>
           <a:bodyPr/>
           <a:lstStyle/>
+          <a:p>
+            <a:r>
+              <a:rPr lang="es-ES_tradnl" altLang="ja-JP" sz="2400" kern="100" dirty="0">
+                <a:effectLst/>
+                <a:latin typeface="Century" panose="02040604050505020304" pitchFamily="18" charset="0"/>
+                <a:ea typeface="ＭＳ 明朝" panose="02020609040205080304" pitchFamily="49" charset="-128"/>
+                <a:cs typeface="Times New Roman" panose="02020603050405020304" pitchFamily="18" charset="0"/>
+              </a:rPr>
+              <a:t>KeitaWatanabe, Fumito Higuchi, Masahiko Inami, Takeo Igarashi (2013). </a:t>
+            </a:r>
+            <a:r>
+              <a:rPr lang="en-US" altLang="ja-JP" sz="2400" kern="100" dirty="0">
+                <a:effectLst/>
+                <a:latin typeface="Century" panose="02040604050505020304" pitchFamily="18" charset="0"/>
+                <a:ea typeface="ＭＳ 明朝" panose="02020609040205080304" pitchFamily="49" charset="-128"/>
+                <a:cs typeface="Times New Roman" panose="02020603050405020304" pitchFamily="18" charset="0"/>
+              </a:rPr>
+              <a:t>Identification of Own Cursor from Multiple Dummy Cursors. IPSJ Interaction 2013. pp.25-31.</a:t>
+            </a:r>
+            <a:endParaRPr lang="ja-JP" altLang="ja-JP" sz="2400" kern="100">
+              <a:effectLst/>
+              <a:latin typeface="Century" panose="02040604050505020304" pitchFamily="18" charset="0"/>
+              <a:ea typeface="ＭＳ 明朝" panose="02020609040205080304" pitchFamily="49" charset="-128"/>
+              <a:cs typeface="Times New Roman" panose="02020603050405020304" pitchFamily="18" charset="0"/>
+            </a:endParaRPr>
+          </a:p>
           <a:p>
             <a:endParaRPr kumimoji="1" lang="ja-JP" altLang="en-US"/>
           </a:p>

--- a/english_mid.pptx
+++ b/english_mid.pptx
@@ -5,7 +5,7 @@
     <p:sldMasterId id="2147483648" r:id="rId1"/>
   </p:sldMasterIdLst>
   <p:notesMasterIdLst>
-    <p:notesMasterId r:id="rId11"/>
+    <p:notesMasterId r:id="rId12"/>
   </p:notesMasterIdLst>
   <p:sldIdLst>
     <p:sldId id="256" r:id="rId2"/>
@@ -15,8 +15,9 @@
     <p:sldId id="264" r:id="rId6"/>
     <p:sldId id="260" r:id="rId7"/>
     <p:sldId id="261" r:id="rId8"/>
-    <p:sldId id="262" r:id="rId9"/>
-    <p:sldId id="263" r:id="rId10"/>
+    <p:sldId id="265" r:id="rId9"/>
+    <p:sldId id="262" r:id="rId10"/>
+    <p:sldId id="263" r:id="rId11"/>
   </p:sldIdLst>
   <p:sldSz cx="12192000" cy="6858000"/>
   <p:notesSz cx="6858000" cy="9144000"/>
@@ -205,7 +206,7 @@
           <a:p>
             <a:fld id="{6E685645-519D-4388-A916-88B142B05884}" type="datetimeFigureOut">
               <a:rPr kumimoji="1" lang="ja-JP" altLang="en-US" smtClean="0"/>
-              <a:t>2022/11/8</a:t>
+              <a:t>2022/11/9</a:t>
             </a:fld>
             <a:endParaRPr kumimoji="1" lang="ja-JP" altLang="en-US"/>
           </a:p>
@@ -504,6 +505,586 @@
 </p:notesMaster>
 </file>
 
+<file path=ppt/notesSlides/notesSlide1.xml><?xml version="1.0" encoding="utf-8"?>
+<p:notes xmlns:a="http://schemas.openxmlformats.org/drawingml/2006/main" xmlns:r="http://schemas.openxmlformats.org/officeDocument/2006/relationships" xmlns:p="http://schemas.openxmlformats.org/presentationml/2006/main">
+  <p:cSld>
+    <p:spTree>
+      <p:nvGrpSpPr>
+        <p:cNvPr id="1" name=""/>
+        <p:cNvGrpSpPr/>
+        <p:nvPr/>
+      </p:nvGrpSpPr>
+      <p:grpSpPr>
+        <a:xfrm>
+          <a:off x="0" y="0"/>
+          <a:ext cx="0" cy="0"/>
+          <a:chOff x="0" y="0"/>
+          <a:chExt cx="0" cy="0"/>
+        </a:xfrm>
+      </p:grpSpPr>
+      <p:sp>
+        <p:nvSpPr>
+          <p:cNvPr id="2" name="スライド イメージ プレースホルダー 1"/>
+          <p:cNvSpPr>
+            <a:spLocks noGrp="1" noRot="1" noChangeAspect="1"/>
+          </p:cNvSpPr>
+          <p:nvPr>
+            <p:ph type="sldImg"/>
+          </p:nvPr>
+        </p:nvSpPr>
+        <p:spPr/>
+      </p:sp>
+      <p:sp>
+        <p:nvSpPr>
+          <p:cNvPr id="3" name="ノート プレースホルダー 2"/>
+          <p:cNvSpPr>
+            <a:spLocks noGrp="1"/>
+          </p:cNvSpPr>
+          <p:nvPr>
+            <p:ph type="body" idx="1"/>
+          </p:nvPr>
+        </p:nvSpPr>
+        <p:spPr/>
+        <p:txBody>
+          <a:bodyPr/>
+          <a:lstStyle/>
+          <a:p>
+            <a:r>
+              <a:rPr kumimoji="1" lang="en-US" altLang="ja-JP" dirty="0"/>
+              <a:t>Experiments are done in pairs.</a:t>
+            </a:r>
+          </a:p>
+          <a:p>
+            <a:r>
+              <a:rPr kumimoji="1" lang="en-US" altLang="ja-JP" dirty="0"/>
+              <a:t>Controllers and observers take turns.</a:t>
+            </a:r>
+          </a:p>
+          <a:p>
+            <a:endParaRPr kumimoji="1" lang="en-US" altLang="ja-JP" dirty="0"/>
+          </a:p>
+          <a:p>
+            <a:r>
+              <a:rPr kumimoji="1" lang="en-US" altLang="ja-JP" dirty="0"/>
+              <a:t>The controller first taps the Start button. Next, swipe the screen to find the real cursor. When you think you have found a real cursor, triple-tap it.</a:t>
+            </a:r>
+          </a:p>
+          <a:p>
+            <a:endParaRPr kumimoji="1" lang="en-US" altLang="ja-JP" dirty="0"/>
+          </a:p>
+          <a:p>
+            <a:pPr marL="0" marR="0" lvl="0" indent="0" algn="l" defTabSz="914400" rtl="0" eaLnBrk="1" fontAlgn="auto" latinLnBrk="0" hangingPunct="1">
+              <a:lnSpc>
+                <a:spcPct val="100000"/>
+              </a:lnSpc>
+              <a:spcBef>
+                <a:spcPts val="0"/>
+              </a:spcBef>
+              <a:spcAft>
+                <a:spcPts val="0"/>
+              </a:spcAft>
+              <a:buClrTx/>
+              <a:buSzTx/>
+              <a:buFontTx/>
+              <a:buNone/>
+              <a:tabLst/>
+              <a:defRPr/>
+            </a:pPr>
+            <a:r>
+              <a:rPr kumimoji="1" lang="en-US" altLang="ja-JP" dirty="0"/>
+              <a:t>The observer </a:t>
+            </a:r>
+            <a:r>
+              <a:rPr kumimoji="1" lang="en-US" altLang="ja-JP" sz="1200" dirty="0"/>
+              <a:t>Find the real cursor next to the controllers. </a:t>
+            </a:r>
+            <a:endParaRPr kumimoji="1" lang="ja-JP" altLang="en-US" sz="1200" dirty="0"/>
+          </a:p>
+          <a:p>
+            <a:endParaRPr kumimoji="1" lang="ja-JP" altLang="en-US" dirty="0"/>
+          </a:p>
+        </p:txBody>
+      </p:sp>
+      <p:sp>
+        <p:nvSpPr>
+          <p:cNvPr id="4" name="スライド番号プレースホルダー 3"/>
+          <p:cNvSpPr>
+            <a:spLocks noGrp="1"/>
+          </p:cNvSpPr>
+          <p:nvPr>
+            <p:ph type="sldNum" sz="quarter" idx="5"/>
+          </p:nvPr>
+        </p:nvSpPr>
+        <p:spPr/>
+        <p:txBody>
+          <a:bodyPr/>
+          <a:lstStyle/>
+          <a:p>
+            <a:fld id="{811111D7-D12A-4A9E-8D02-22E65F1FA5EA}" type="slidenum">
+              <a:rPr kumimoji="1" lang="ja-JP" altLang="en-US" smtClean="0"/>
+              <a:t>4</a:t>
+            </a:fld>
+            <a:endParaRPr kumimoji="1" lang="ja-JP" altLang="en-US"/>
+          </a:p>
+        </p:txBody>
+      </p:sp>
+    </p:spTree>
+    <p:extLst>
+      <p:ext uri="{BB962C8B-B14F-4D97-AF65-F5344CB8AC3E}">
+        <p14:creationId xmlns:p14="http://schemas.microsoft.com/office/powerpoint/2010/main" val="1551396772"/>
+      </p:ext>
+    </p:extLst>
+  </p:cSld>
+  <p:clrMapOvr>
+    <a:masterClrMapping/>
+  </p:clrMapOvr>
+</p:notes>
+</file>
+
+<file path=ppt/notesSlides/notesSlide2.xml><?xml version="1.0" encoding="utf-8"?>
+<p:notes xmlns:a="http://schemas.openxmlformats.org/drawingml/2006/main" xmlns:r="http://schemas.openxmlformats.org/officeDocument/2006/relationships" xmlns:p="http://schemas.openxmlformats.org/presentationml/2006/main">
+  <p:cSld>
+    <p:spTree>
+      <p:nvGrpSpPr>
+        <p:cNvPr id="1" name=""/>
+        <p:cNvGrpSpPr/>
+        <p:nvPr/>
+      </p:nvGrpSpPr>
+      <p:grpSpPr>
+        <a:xfrm>
+          <a:off x="0" y="0"/>
+          <a:ext cx="0" cy="0"/>
+          <a:chOff x="0" y="0"/>
+          <a:chExt cx="0" cy="0"/>
+        </a:xfrm>
+      </p:grpSpPr>
+      <p:sp>
+        <p:nvSpPr>
+          <p:cNvPr id="2" name="スライド イメージ プレースホルダー 1"/>
+          <p:cNvSpPr>
+            <a:spLocks noGrp="1" noRot="1" noChangeAspect="1"/>
+          </p:cNvSpPr>
+          <p:nvPr>
+            <p:ph type="sldImg"/>
+          </p:nvPr>
+        </p:nvSpPr>
+        <p:spPr/>
+      </p:sp>
+      <p:sp>
+        <p:nvSpPr>
+          <p:cNvPr id="3" name="ノート プレースホルダー 2"/>
+          <p:cNvSpPr>
+            <a:spLocks noGrp="1"/>
+          </p:cNvSpPr>
+          <p:nvPr>
+            <p:ph type="body" idx="1"/>
+          </p:nvPr>
+        </p:nvSpPr>
+        <p:spPr/>
+        <p:txBody>
+          <a:bodyPr/>
+          <a:lstStyle/>
+          <a:p>
+            <a:r>
+              <a:rPr kumimoji="1" lang="en-US" altLang="ja-JP" dirty="0"/>
+              <a:t>We get</a:t>
+            </a:r>
+            <a:r>
+              <a:rPr kumimoji="1" lang="ja-JP" altLang="en-US" dirty="0"/>
+              <a:t> </a:t>
+            </a:r>
+            <a:r>
+              <a:rPr kumimoji="1" lang="en-US" altLang="ja-JP" dirty="0"/>
+              <a:t>these</a:t>
+            </a:r>
+            <a:r>
+              <a:rPr kumimoji="1" lang="ja-JP" altLang="en-US" dirty="0"/>
+              <a:t> </a:t>
+            </a:r>
+            <a:r>
+              <a:rPr kumimoji="1" lang="en-US" altLang="ja-JP" dirty="0"/>
+              <a:t>result by this experiment.</a:t>
+            </a:r>
+          </a:p>
+          <a:p>
+            <a:endParaRPr kumimoji="1" lang="en-US" altLang="ja-JP" dirty="0"/>
+          </a:p>
+          <a:p>
+            <a:r>
+              <a:rPr kumimoji="1" lang="en-US" altLang="ja-JP" dirty="0"/>
+              <a:t>The average time for the controller to find the cursor was 8.45s and the median was 8.64s</a:t>
+            </a:r>
+          </a:p>
+          <a:p>
+            <a:endParaRPr kumimoji="1" lang="en-US" altLang="ja-JP" dirty="0"/>
+          </a:p>
+          <a:p>
+            <a:r>
+              <a:rPr kumimoji="1" lang="en-US" altLang="ja-JP" dirty="0"/>
+              <a:t>The observer found it first in 3 out of 14 cases</a:t>
+            </a:r>
+          </a:p>
+          <a:p>
+            <a:r>
+              <a:rPr kumimoji="1" lang="en-US" altLang="ja-JP" dirty="0"/>
+              <a:t>The average time for men and women was 8.22s and 8.84s, respectively.</a:t>
+            </a:r>
+          </a:p>
+        </p:txBody>
+      </p:sp>
+      <p:sp>
+        <p:nvSpPr>
+          <p:cNvPr id="4" name="スライド番号プレースホルダー 3"/>
+          <p:cNvSpPr>
+            <a:spLocks noGrp="1"/>
+          </p:cNvSpPr>
+          <p:nvPr>
+            <p:ph type="sldNum" sz="quarter" idx="5"/>
+          </p:nvPr>
+        </p:nvSpPr>
+        <p:spPr/>
+        <p:txBody>
+          <a:bodyPr/>
+          <a:lstStyle/>
+          <a:p>
+            <a:fld id="{811111D7-D12A-4A9E-8D02-22E65F1FA5EA}" type="slidenum">
+              <a:rPr kumimoji="1" lang="ja-JP" altLang="en-US" smtClean="0"/>
+              <a:t>5</a:t>
+            </a:fld>
+            <a:endParaRPr kumimoji="1" lang="ja-JP" altLang="en-US"/>
+          </a:p>
+        </p:txBody>
+      </p:sp>
+    </p:spTree>
+    <p:extLst>
+      <p:ext uri="{BB962C8B-B14F-4D97-AF65-F5344CB8AC3E}">
+        <p14:creationId xmlns:p14="http://schemas.microsoft.com/office/powerpoint/2010/main" val="2527432269"/>
+      </p:ext>
+    </p:extLst>
+  </p:cSld>
+  <p:clrMapOvr>
+    <a:masterClrMapping/>
+  </p:clrMapOvr>
+</p:notes>
+</file>
+
+<file path=ppt/notesSlides/notesSlide3.xml><?xml version="1.0" encoding="utf-8"?>
+<p:notes xmlns:a="http://schemas.openxmlformats.org/drawingml/2006/main" xmlns:r="http://schemas.openxmlformats.org/officeDocument/2006/relationships" xmlns:p="http://schemas.openxmlformats.org/presentationml/2006/main">
+  <p:cSld>
+    <p:spTree>
+      <p:nvGrpSpPr>
+        <p:cNvPr id="1" name=""/>
+        <p:cNvGrpSpPr/>
+        <p:nvPr/>
+      </p:nvGrpSpPr>
+      <p:grpSpPr>
+        <a:xfrm>
+          <a:off x="0" y="0"/>
+          <a:ext cx="0" cy="0"/>
+          <a:chOff x="0" y="0"/>
+          <a:chExt cx="0" cy="0"/>
+        </a:xfrm>
+      </p:grpSpPr>
+      <p:sp>
+        <p:nvSpPr>
+          <p:cNvPr id="2" name="スライド イメージ プレースホルダー 1"/>
+          <p:cNvSpPr>
+            <a:spLocks noGrp="1" noRot="1" noChangeAspect="1"/>
+          </p:cNvSpPr>
+          <p:nvPr>
+            <p:ph type="sldImg"/>
+          </p:nvPr>
+        </p:nvSpPr>
+        <p:spPr/>
+      </p:sp>
+      <p:sp>
+        <p:nvSpPr>
+          <p:cNvPr id="3" name="ノート プレースホルダー 2"/>
+          <p:cNvSpPr>
+            <a:spLocks noGrp="1"/>
+          </p:cNvSpPr>
+          <p:nvPr>
+            <p:ph type="body" idx="1"/>
+          </p:nvPr>
+        </p:nvSpPr>
+        <p:spPr/>
+        <p:txBody>
+          <a:bodyPr/>
+          <a:lstStyle/>
+          <a:p>
+            <a:pPr marL="0" indent="0">
+              <a:buNone/>
+            </a:pPr>
+            <a:r>
+              <a:rPr kumimoji="1" lang="en-US" altLang="ja-JP" dirty="0"/>
+              <a:t>In this experiment, we only researched about effectiveness of the Dummy Cursors. So, o</a:t>
+            </a:r>
+            <a:r>
+              <a:rPr lang="en-US" altLang="ja-JP" dirty="0"/>
+              <a:t>ur next goal is to research whether it helps prevent PIN peeping on smartphone as well as PC. Because 3 out of 14 people were able to find the real cursor, it can be evaluated as inadequate in terms of security.</a:t>
+            </a:r>
+          </a:p>
+          <a:p>
+            <a:pPr marL="0" indent="0">
+              <a:buNone/>
+            </a:pPr>
+            <a:endParaRPr lang="en-US" altLang="ja-JP" dirty="0"/>
+          </a:p>
+          <a:p>
+            <a:pPr marL="0" indent="0">
+              <a:buNone/>
+            </a:pPr>
+            <a:r>
+              <a:rPr lang="en-US" altLang="ja-JP" dirty="0"/>
+              <a:t>Another possible reason for the observer's ability to find the operator's cursor may be that the finger manipulation is more linked to the cursor movement than the mouse cursor manipulation</a:t>
+            </a:r>
+          </a:p>
+          <a:p>
+            <a:endParaRPr kumimoji="1" lang="ja-JP" altLang="en-US" dirty="0"/>
+          </a:p>
+        </p:txBody>
+      </p:sp>
+      <p:sp>
+        <p:nvSpPr>
+          <p:cNvPr id="4" name="スライド番号プレースホルダー 3"/>
+          <p:cNvSpPr>
+            <a:spLocks noGrp="1"/>
+          </p:cNvSpPr>
+          <p:nvPr>
+            <p:ph type="sldNum" sz="quarter" idx="5"/>
+          </p:nvPr>
+        </p:nvSpPr>
+        <p:spPr/>
+        <p:txBody>
+          <a:bodyPr/>
+          <a:lstStyle/>
+          <a:p>
+            <a:fld id="{811111D7-D12A-4A9E-8D02-22E65F1FA5EA}" type="slidenum">
+              <a:rPr kumimoji="1" lang="ja-JP" altLang="en-US" smtClean="0"/>
+              <a:t>6</a:t>
+            </a:fld>
+            <a:endParaRPr kumimoji="1" lang="ja-JP" altLang="en-US"/>
+          </a:p>
+        </p:txBody>
+      </p:sp>
+    </p:spTree>
+    <p:extLst>
+      <p:ext uri="{BB962C8B-B14F-4D97-AF65-F5344CB8AC3E}">
+        <p14:creationId xmlns:p14="http://schemas.microsoft.com/office/powerpoint/2010/main" val="3202773367"/>
+      </p:ext>
+    </p:extLst>
+  </p:cSld>
+  <p:clrMapOvr>
+    <a:masterClrMapping/>
+  </p:clrMapOvr>
+</p:notes>
+</file>
+
+<file path=ppt/notesSlides/notesSlide4.xml><?xml version="1.0" encoding="utf-8"?>
+<p:notes xmlns:a="http://schemas.openxmlformats.org/drawingml/2006/main" xmlns:r="http://schemas.openxmlformats.org/officeDocument/2006/relationships" xmlns:p="http://schemas.openxmlformats.org/presentationml/2006/main">
+  <p:cSld>
+    <p:spTree>
+      <p:nvGrpSpPr>
+        <p:cNvPr id="1" name=""/>
+        <p:cNvGrpSpPr/>
+        <p:nvPr/>
+      </p:nvGrpSpPr>
+      <p:grpSpPr>
+        <a:xfrm>
+          <a:off x="0" y="0"/>
+          <a:ext cx="0" cy="0"/>
+          <a:chOff x="0" y="0"/>
+          <a:chExt cx="0" cy="0"/>
+        </a:xfrm>
+      </p:grpSpPr>
+      <p:sp>
+        <p:nvSpPr>
+          <p:cNvPr id="2" name="スライド イメージ プレースホルダー 1"/>
+          <p:cNvSpPr>
+            <a:spLocks noGrp="1" noRot="1" noChangeAspect="1"/>
+          </p:cNvSpPr>
+          <p:nvPr>
+            <p:ph type="sldImg"/>
+          </p:nvPr>
+        </p:nvSpPr>
+        <p:spPr/>
+      </p:sp>
+      <p:sp>
+        <p:nvSpPr>
+          <p:cNvPr id="3" name="ノート プレースホルダー 2"/>
+          <p:cNvSpPr>
+            <a:spLocks noGrp="1"/>
+          </p:cNvSpPr>
+          <p:nvPr>
+            <p:ph type="body" idx="1"/>
+          </p:nvPr>
+        </p:nvSpPr>
+        <p:spPr/>
+        <p:txBody>
+          <a:bodyPr/>
+          <a:lstStyle/>
+          <a:p>
+            <a:pPr marL="0" indent="0">
+              <a:buNone/>
+            </a:pPr>
+            <a:r>
+              <a:rPr lang="en-US" altLang="ja-JP" dirty="0"/>
+              <a:t>It is necessary to experiment with different environments, which was not possible in this experiment.</a:t>
+            </a:r>
+          </a:p>
+          <a:p>
+            <a:pPr marL="0" indent="0">
+              <a:buNone/>
+            </a:pPr>
+            <a:endParaRPr lang="en-US" altLang="ja-JP" dirty="0"/>
+          </a:p>
+          <a:p>
+            <a:pPr marL="0" indent="0">
+              <a:buNone/>
+            </a:pPr>
+            <a:r>
+              <a:rPr lang="en-US" altLang="ja-JP" dirty="0"/>
+              <a:t>Since there was no significant difference in the values, it can be said that there is no age difference and Difference between male and female</a:t>
+            </a:r>
+            <a:endParaRPr kumimoji="1" lang="ja-JP" altLang="en-US" dirty="0"/>
+          </a:p>
+        </p:txBody>
+      </p:sp>
+      <p:sp>
+        <p:nvSpPr>
+          <p:cNvPr id="4" name="スライド番号プレースホルダー 3"/>
+          <p:cNvSpPr>
+            <a:spLocks noGrp="1"/>
+          </p:cNvSpPr>
+          <p:nvPr>
+            <p:ph type="sldNum" sz="quarter" idx="5"/>
+          </p:nvPr>
+        </p:nvSpPr>
+        <p:spPr/>
+        <p:txBody>
+          <a:bodyPr/>
+          <a:lstStyle/>
+          <a:p>
+            <a:fld id="{811111D7-D12A-4A9E-8D02-22E65F1FA5EA}" type="slidenum">
+              <a:rPr kumimoji="1" lang="ja-JP" altLang="en-US" smtClean="0"/>
+              <a:t>7</a:t>
+            </a:fld>
+            <a:endParaRPr kumimoji="1" lang="ja-JP" altLang="en-US"/>
+          </a:p>
+        </p:txBody>
+      </p:sp>
+    </p:spTree>
+    <p:extLst>
+      <p:ext uri="{BB962C8B-B14F-4D97-AF65-F5344CB8AC3E}">
+        <p14:creationId xmlns:p14="http://schemas.microsoft.com/office/powerpoint/2010/main" val="3810840355"/>
+      </p:ext>
+    </p:extLst>
+  </p:cSld>
+  <p:clrMapOvr>
+    <a:masterClrMapping/>
+  </p:clrMapOvr>
+</p:notes>
+</file>
+
+<file path=ppt/notesSlides/notesSlide5.xml><?xml version="1.0" encoding="utf-8"?>
+<p:notes xmlns:a="http://schemas.openxmlformats.org/drawingml/2006/main" xmlns:r="http://schemas.openxmlformats.org/officeDocument/2006/relationships" xmlns:p="http://schemas.openxmlformats.org/presentationml/2006/main">
+  <p:cSld>
+    <p:spTree>
+      <p:nvGrpSpPr>
+        <p:cNvPr id="1" name=""/>
+        <p:cNvGrpSpPr/>
+        <p:nvPr/>
+      </p:nvGrpSpPr>
+      <p:grpSpPr>
+        <a:xfrm>
+          <a:off x="0" y="0"/>
+          <a:ext cx="0" cy="0"/>
+          <a:chOff x="0" y="0"/>
+          <a:chExt cx="0" cy="0"/>
+        </a:xfrm>
+      </p:grpSpPr>
+      <p:sp>
+        <p:nvSpPr>
+          <p:cNvPr id="2" name="スライド イメージ プレースホルダー 1"/>
+          <p:cNvSpPr>
+            <a:spLocks noGrp="1" noRot="1" noChangeAspect="1"/>
+          </p:cNvSpPr>
+          <p:nvPr>
+            <p:ph type="sldImg"/>
+          </p:nvPr>
+        </p:nvSpPr>
+        <p:spPr/>
+      </p:sp>
+      <p:sp>
+        <p:nvSpPr>
+          <p:cNvPr id="3" name="ノート プレースホルダー 2"/>
+          <p:cNvSpPr>
+            <a:spLocks noGrp="1"/>
+          </p:cNvSpPr>
+          <p:nvPr>
+            <p:ph type="body" idx="1"/>
+          </p:nvPr>
+        </p:nvSpPr>
+        <p:spPr/>
+        <p:txBody>
+          <a:bodyPr/>
+          <a:lstStyle/>
+          <a:p>
+            <a:r>
+              <a:rPr kumimoji="1" lang="en-US" altLang="ja-JP" dirty="0"/>
+              <a:t>In conclusion, we found that the operators had a greater sense of body ownership than the observers, even when operating with their fingers on a smartphone.</a:t>
+            </a:r>
+          </a:p>
+          <a:p>
+            <a:endParaRPr kumimoji="1" lang="en-US" altLang="ja-JP" dirty="0"/>
+          </a:p>
+          <a:p>
+            <a:r>
+              <a:rPr kumimoji="1" lang="en-US" altLang="ja-JP" dirty="0"/>
+              <a:t>In addition, we found that in some cases, the observer found the object first.</a:t>
+            </a:r>
+          </a:p>
+          <a:p>
+            <a:endParaRPr kumimoji="1" lang="ja-JP" altLang="en-US" dirty="0"/>
+          </a:p>
+        </p:txBody>
+      </p:sp>
+      <p:sp>
+        <p:nvSpPr>
+          <p:cNvPr id="4" name="スライド番号プレースホルダー 3"/>
+          <p:cNvSpPr>
+            <a:spLocks noGrp="1"/>
+          </p:cNvSpPr>
+          <p:nvPr>
+            <p:ph type="sldNum" sz="quarter" idx="5"/>
+          </p:nvPr>
+        </p:nvSpPr>
+        <p:spPr/>
+        <p:txBody>
+          <a:bodyPr/>
+          <a:lstStyle/>
+          <a:p>
+            <a:fld id="{811111D7-D12A-4A9E-8D02-22E65F1FA5EA}" type="slidenum">
+              <a:rPr kumimoji="1" lang="ja-JP" altLang="en-US" smtClean="0"/>
+              <a:t>8</a:t>
+            </a:fld>
+            <a:endParaRPr kumimoji="1" lang="ja-JP" altLang="en-US"/>
+          </a:p>
+        </p:txBody>
+      </p:sp>
+    </p:spTree>
+    <p:extLst>
+      <p:ext uri="{BB962C8B-B14F-4D97-AF65-F5344CB8AC3E}">
+        <p14:creationId xmlns:p14="http://schemas.microsoft.com/office/powerpoint/2010/main" val="146386529"/>
+      </p:ext>
+    </p:extLst>
+  </p:cSld>
+  <p:clrMapOvr>
+    <a:masterClrMapping/>
+  </p:clrMapOvr>
+</p:notes>
+</file>
+
 <file path=ppt/slideLayouts/slideLayout1.xml><?xml version="1.0" encoding="utf-8"?>
 <p:sldLayout xmlns:a="http://schemas.openxmlformats.org/drawingml/2006/main" xmlns:r="http://schemas.openxmlformats.org/officeDocument/2006/relationships" xmlns:p="http://schemas.openxmlformats.org/presentationml/2006/main" type="title" preserve="1">
   <p:cSld name="タイトル スライド">
@@ -1001,7 +1582,7 @@
           <a:p>
             <a:fld id="{5E4B8086-B96A-4817-9521-2F145BB22C28}" type="datetime1">
               <a:rPr kumimoji="1" lang="ja-JP" altLang="en-US" smtClean="0"/>
-              <a:t>2022/11/8</a:t>
+              <a:t>2022/11/9</a:t>
             </a:fld>
             <a:endParaRPr kumimoji="1" lang="ja-JP" altLang="en-US"/>
           </a:p>
@@ -1241,7 +1822,7 @@
           <a:p>
             <a:fld id="{F8B4DAA0-091F-4F16-897C-F0DB3F1DF775}" type="datetime1">
               <a:rPr kumimoji="1" lang="ja-JP" altLang="en-US" smtClean="0"/>
-              <a:t>2022/11/8</a:t>
+              <a:t>2022/11/9</a:t>
             </a:fld>
             <a:endParaRPr kumimoji="1" lang="ja-JP" altLang="en-US"/>
           </a:p>
@@ -1489,7 +2070,7 @@
           <a:p>
             <a:fld id="{84DE2112-83AA-41DC-A102-755731DA7B82}" type="datetime1">
               <a:rPr kumimoji="1" lang="ja-JP" altLang="en-US" smtClean="0"/>
-              <a:t>2022/11/8</a:t>
+              <a:t>2022/11/9</a:t>
             </a:fld>
             <a:endParaRPr kumimoji="1" lang="ja-JP" altLang="en-US"/>
           </a:p>
@@ -1764,7 +2345,7 @@
           <a:p>
             <a:fld id="{09ACCE86-9490-4713-A171-889B47FC0932}" type="datetime1">
               <a:rPr kumimoji="1" lang="ja-JP" altLang="en-US" smtClean="0"/>
-              <a:t>2022/11/8</a:t>
+              <a:t>2022/11/9</a:t>
             </a:fld>
             <a:endParaRPr kumimoji="1" lang="ja-JP" altLang="en-US"/>
           </a:p>
@@ -2093,7 +2674,7 @@
           <a:p>
             <a:fld id="{455265CE-362B-474A-9A52-3018E018A08D}" type="datetime1">
               <a:rPr kumimoji="1" lang="ja-JP" altLang="en-US" smtClean="0"/>
-              <a:t>2022/11/8</a:t>
+              <a:t>2022/11/9</a:t>
             </a:fld>
             <a:endParaRPr kumimoji="1" lang="ja-JP" altLang="en-US"/>
           </a:p>
@@ -2569,7 +3150,7 @@
           <a:p>
             <a:fld id="{81007211-A953-473B-A1C5-17FBB7ECDFA8}" type="datetime1">
               <a:rPr kumimoji="1" lang="ja-JP" altLang="en-US" smtClean="0"/>
-              <a:t>2022/11/8</a:t>
+              <a:t>2022/11/9</a:t>
             </a:fld>
             <a:endParaRPr kumimoji="1" lang="ja-JP" altLang="en-US"/>
           </a:p>
@@ -2710,7 +3291,7 @@
           <a:p>
             <a:fld id="{8B619366-5DCA-457E-AC95-1DE564F6191B}" type="datetime1">
               <a:rPr kumimoji="1" lang="ja-JP" altLang="en-US" smtClean="0"/>
-              <a:t>2022/11/8</a:t>
+              <a:t>2022/11/9</a:t>
             </a:fld>
             <a:endParaRPr kumimoji="1" lang="ja-JP" altLang="en-US"/>
           </a:p>
@@ -2823,7 +3404,7 @@
           <a:p>
             <a:fld id="{AE71C5DE-1A9D-4A1B-8DD2-581409A4A5A1}" type="datetime1">
               <a:rPr kumimoji="1" lang="ja-JP" altLang="en-US" smtClean="0"/>
-              <a:t>2022/11/8</a:t>
+              <a:t>2022/11/9</a:t>
             </a:fld>
             <a:endParaRPr kumimoji="1" lang="ja-JP" altLang="en-US"/>
           </a:p>
@@ -3166,7 +3747,7 @@
           <a:p>
             <a:fld id="{A6368CCD-D46A-4CF3-95BB-44F1FCCA0232}" type="datetime1">
               <a:rPr kumimoji="1" lang="ja-JP" altLang="en-US" smtClean="0"/>
-              <a:t>2022/11/8</a:t>
+              <a:t>2022/11/9</a:t>
             </a:fld>
             <a:endParaRPr kumimoji="1" lang="ja-JP" altLang="en-US"/>
           </a:p>
@@ -3457,7 +4038,7 @@
           <a:p>
             <a:fld id="{D7CAD2A2-45F5-4B65-A405-21BD811A434F}" type="datetime1">
               <a:rPr kumimoji="1" lang="ja-JP" altLang="en-US" smtClean="0"/>
-              <a:t>2022/11/8</a:t>
+              <a:t>2022/11/9</a:t>
             </a:fld>
             <a:endParaRPr kumimoji="1" lang="ja-JP" altLang="en-US"/>
           </a:p>
@@ -3730,7 +4311,7 @@
           <a:p>
             <a:fld id="{28711B3C-FF34-4024-A7CE-FE885127FBFC}" type="datetime1">
               <a:rPr kumimoji="1" lang="ja-JP" altLang="en-US" smtClean="0"/>
-              <a:t>2022/11/8</a:t>
+              <a:t>2022/11/9</a:t>
             </a:fld>
             <a:endParaRPr kumimoji="1" lang="ja-JP" altLang="en-US"/>
           </a:p>
@@ -4312,6 +4893,145 @@
 </p:sld>
 </file>
 
+<file path=ppt/slides/slide10.xml><?xml version="1.0" encoding="utf-8"?>
+<p:sld xmlns:a="http://schemas.openxmlformats.org/drawingml/2006/main" xmlns:r="http://schemas.openxmlformats.org/officeDocument/2006/relationships" xmlns:p="http://schemas.openxmlformats.org/presentationml/2006/main">
+  <p:cSld>
+    <p:spTree>
+      <p:nvGrpSpPr>
+        <p:cNvPr id="1" name=""/>
+        <p:cNvGrpSpPr/>
+        <p:nvPr/>
+      </p:nvGrpSpPr>
+      <p:grpSpPr>
+        <a:xfrm>
+          <a:off x="0" y="0"/>
+          <a:ext cx="0" cy="0"/>
+          <a:chOff x="0" y="0"/>
+          <a:chExt cx="0" cy="0"/>
+        </a:xfrm>
+      </p:grpSpPr>
+      <p:sp>
+        <p:nvSpPr>
+          <p:cNvPr id="2" name="タイトル 1">
+            <a:extLst>
+              <a:ext uri="{FF2B5EF4-FFF2-40B4-BE49-F238E27FC236}">
+                <a16:creationId xmlns:a16="http://schemas.microsoft.com/office/drawing/2014/main" id="{2B55C293-9465-C754-572E-6BD30568E3FA}"/>
+              </a:ext>
+            </a:extLst>
+          </p:cNvPr>
+          <p:cNvSpPr>
+            <a:spLocks noGrp="1"/>
+          </p:cNvSpPr>
+          <p:nvPr>
+            <p:ph type="title"/>
+          </p:nvPr>
+        </p:nvSpPr>
+        <p:spPr/>
+        <p:txBody>
+          <a:bodyPr/>
+          <a:lstStyle/>
+          <a:p>
+            <a:r>
+              <a:rPr lang="en-US" altLang="ja-JP" dirty="0"/>
+              <a:t>Reference</a:t>
+            </a:r>
+            <a:endParaRPr kumimoji="1" lang="ja-JP" altLang="en-US" dirty="0"/>
+          </a:p>
+        </p:txBody>
+      </p:sp>
+      <p:sp>
+        <p:nvSpPr>
+          <p:cNvPr id="3" name="コンテンツ プレースホルダー 2">
+            <a:extLst>
+              <a:ext uri="{FF2B5EF4-FFF2-40B4-BE49-F238E27FC236}">
+                <a16:creationId xmlns:a16="http://schemas.microsoft.com/office/drawing/2014/main" id="{38871953-73FC-6A5C-438C-43A9A09B8DA1}"/>
+              </a:ext>
+            </a:extLst>
+          </p:cNvPr>
+          <p:cNvSpPr>
+            <a:spLocks noGrp="1"/>
+          </p:cNvSpPr>
+          <p:nvPr>
+            <p:ph idx="1"/>
+          </p:nvPr>
+        </p:nvSpPr>
+        <p:spPr/>
+        <p:txBody>
+          <a:bodyPr/>
+          <a:lstStyle/>
+          <a:p>
+            <a:r>
+              <a:rPr lang="es-ES_tradnl" altLang="ja-JP" sz="2400" kern="100" dirty="0">
+                <a:effectLst/>
+                <a:latin typeface="Century" panose="02040604050505020304" pitchFamily="18" charset="0"/>
+                <a:ea typeface="ＭＳ 明朝" panose="02020609040205080304" pitchFamily="49" charset="-128"/>
+                <a:cs typeface="Times New Roman" panose="02020603050405020304" pitchFamily="18" charset="0"/>
+              </a:rPr>
+              <a:t>KeitaWatanabe, Fumito Higuchi, Masahiko Inami, Takeo Igarashi (2013). </a:t>
+            </a:r>
+            <a:r>
+              <a:rPr lang="en-US" altLang="ja-JP" sz="2400" kern="100" dirty="0">
+                <a:effectLst/>
+                <a:latin typeface="Century" panose="02040604050505020304" pitchFamily="18" charset="0"/>
+                <a:ea typeface="ＭＳ 明朝" panose="02020609040205080304" pitchFamily="49" charset="-128"/>
+                <a:cs typeface="Times New Roman" panose="02020603050405020304" pitchFamily="18" charset="0"/>
+              </a:rPr>
+              <a:t>Identification of Own Cursor from Multiple Dummy Cursors. IPSJ Interaction 2013. pp.25-31.</a:t>
+            </a:r>
+            <a:endParaRPr lang="ja-JP" altLang="ja-JP" sz="2400" kern="100">
+              <a:effectLst/>
+              <a:latin typeface="Century" panose="02040604050505020304" pitchFamily="18" charset="0"/>
+              <a:ea typeface="ＭＳ 明朝" panose="02020609040205080304" pitchFamily="49" charset="-128"/>
+              <a:cs typeface="Times New Roman" panose="02020603050405020304" pitchFamily="18" charset="0"/>
+            </a:endParaRPr>
+          </a:p>
+          <a:p>
+            <a:endParaRPr kumimoji="1" lang="ja-JP" altLang="en-US"/>
+          </a:p>
+        </p:txBody>
+      </p:sp>
+      <p:sp>
+        <p:nvSpPr>
+          <p:cNvPr id="4" name="スライド番号プレースホルダー 3">
+            <a:extLst>
+              <a:ext uri="{FF2B5EF4-FFF2-40B4-BE49-F238E27FC236}">
+                <a16:creationId xmlns:a16="http://schemas.microsoft.com/office/drawing/2014/main" id="{540A820F-E48B-BAED-9ABB-6678E05E11D9}"/>
+              </a:ext>
+            </a:extLst>
+          </p:cNvPr>
+          <p:cNvSpPr>
+            <a:spLocks noGrp="1"/>
+          </p:cNvSpPr>
+          <p:nvPr>
+            <p:ph type="sldNum" sz="quarter" idx="12"/>
+          </p:nvPr>
+        </p:nvSpPr>
+        <p:spPr/>
+        <p:txBody>
+          <a:bodyPr/>
+          <a:lstStyle/>
+          <a:p>
+            <a:fld id="{AD692935-ACED-46EE-AB53-2C8B687F7F08}" type="slidenum">
+              <a:rPr kumimoji="1" lang="ja-JP" altLang="en-US" smtClean="0"/>
+              <a:t>9</a:t>
+            </a:fld>
+            <a:endParaRPr kumimoji="1" lang="ja-JP" altLang="en-US"/>
+          </a:p>
+        </p:txBody>
+      </p:sp>
+    </p:spTree>
+    <p:extLst>
+      <p:ext uri="{BB962C8B-B14F-4D97-AF65-F5344CB8AC3E}">
+        <p14:creationId xmlns:p14="http://schemas.microsoft.com/office/powerpoint/2010/main" val="1005689537"/>
+      </p:ext>
+    </p:extLst>
+  </p:cSld>
+  <p:clrMapOvr>
+    <a:masterClrMapping/>
+  </p:clrMapOvr>
+</p:sld>
+</file>
+
 <file path=ppt/slides/slide2.xml><?xml version="1.0" encoding="utf-8"?>
 <p:sld xmlns:a="http://schemas.openxmlformats.org/drawingml/2006/main" xmlns:r="http://schemas.openxmlformats.org/officeDocument/2006/relationships" xmlns:p="http://schemas.openxmlformats.org/presentationml/2006/main">
   <p:cSld>
@@ -5032,7 +5752,7 @@
               <a:rPr lang="en-US" altLang="ja-JP" sz="2400" dirty="0"/>
               <a:t>When they think they've found the real cursor, triple-tap it.</a:t>
             </a:r>
-            <a:endParaRPr kumimoji="1" lang="ja-JP" altLang="en-US" sz="2400"/>
+            <a:endParaRPr kumimoji="1" lang="ja-JP" altLang="en-US" sz="2400" dirty="0"/>
           </a:p>
         </p:txBody>
       </p:sp>
@@ -5068,7 +5788,7 @@
               <a:rPr kumimoji="1" lang="en-US" altLang="ja-JP" sz="2400" dirty="0"/>
               <a:t>Find the real cursor next to the controllers. </a:t>
             </a:r>
-            <a:endParaRPr kumimoji="1" lang="ja-JP" altLang="en-US" sz="2400"/>
+            <a:endParaRPr kumimoji="1" lang="ja-JP" altLang="en-US" sz="2400" dirty="0"/>
           </a:p>
         </p:txBody>
       </p:sp>
@@ -5161,7 +5881,7 @@
               <a:rPr kumimoji="1" lang="en-US" altLang="ja-JP" dirty="0"/>
               <a:t>The time the controllers found</a:t>
             </a:r>
-            <a:endParaRPr kumimoji="1" lang="ja-JP" altLang="en-US"/>
+            <a:endParaRPr kumimoji="1" lang="ja-JP" altLang="en-US" dirty="0"/>
           </a:p>
         </p:txBody>
       </p:sp>
@@ -5262,7 +5982,7 @@
               <a:rPr kumimoji="1" lang="en-US" altLang="ja-JP" sz="2400" dirty="0"/>
               <a:t>Median: 8.64s</a:t>
             </a:r>
-            <a:endParaRPr kumimoji="1" lang="ja-JP" altLang="en-US" sz="2400"/>
+            <a:endParaRPr kumimoji="1" lang="ja-JP" altLang="en-US" sz="2400" dirty="0"/>
           </a:p>
         </p:txBody>
       </p:sp>
@@ -5462,7 +6182,7 @@
               <a:rPr lang="en-US" altLang="ja-JP" dirty="0"/>
               <a:t>The number of times the observers found it first</a:t>
             </a:r>
-            <a:endParaRPr lang="ja-JP" altLang="en-US"/>
+            <a:endParaRPr lang="ja-JP" altLang="en-US" dirty="0"/>
           </a:p>
         </p:txBody>
       </p:sp>
@@ -5498,7 +6218,283 @@
               <a:rPr kumimoji="1" lang="en-US" altLang="ja-JP" sz="2400" dirty="0"/>
               <a:t>3 / 14 (right side: 1, left side: 2) </a:t>
             </a:r>
-            <a:endParaRPr kumimoji="1" lang="ja-JP" altLang="en-US" sz="2400"/>
+            <a:endParaRPr kumimoji="1" lang="ja-JP" altLang="en-US" sz="2400" dirty="0"/>
+          </a:p>
+        </p:txBody>
+      </p:sp>
+      <p:sp>
+        <p:nvSpPr>
+          <p:cNvPr id="8" name="コンテンツ プレースホルダー 2">
+            <a:extLst>
+              <a:ext uri="{FF2B5EF4-FFF2-40B4-BE49-F238E27FC236}">
+                <a16:creationId xmlns:a16="http://schemas.microsoft.com/office/drawing/2014/main" id="{411420FA-0C87-628B-29EE-59185A50B96F}"/>
+              </a:ext>
+            </a:extLst>
+          </p:cNvPr>
+          <p:cNvSpPr txBox="1">
+            <a:spLocks/>
+          </p:cNvSpPr>
+          <p:nvPr/>
+        </p:nvSpPr>
+        <p:spPr>
+          <a:xfrm>
+            <a:off x="838200" y="3845807"/>
+            <a:ext cx="10515600" cy="560215"/>
+          </a:xfrm>
+          <a:prstGeom prst="rect">
+            <a:avLst/>
+          </a:prstGeom>
+        </p:spPr>
+        <p:txBody>
+          <a:bodyPr vert="horz" lIns="91440" tIns="45720" rIns="91440" bIns="45720" rtlCol="0">
+            <a:normAutofit/>
+          </a:bodyPr>
+          <a:lstStyle>
+            <a:lvl1pPr marL="228600" indent="-228600" algn="l" defTabSz="914400" rtl="0" eaLnBrk="1" latinLnBrk="0" hangingPunct="1">
+              <a:lnSpc>
+                <a:spcPct val="90000"/>
+              </a:lnSpc>
+              <a:spcBef>
+                <a:spcPts val="1000"/>
+              </a:spcBef>
+              <a:buFont typeface="Arial" panose="020B0604020202020204" pitchFamily="34" charset="0"/>
+              <a:buChar char="•"/>
+              <a:defRPr kumimoji="1" sz="2800" kern="1200">
+                <a:solidFill>
+                  <a:schemeClr val="tx1"/>
+                </a:solidFill>
+                <a:latin typeface="+mn-lt"/>
+                <a:ea typeface="+mn-ea"/>
+                <a:cs typeface="+mn-cs"/>
+              </a:defRPr>
+            </a:lvl1pPr>
+            <a:lvl2pPr marL="685800" indent="-228600" algn="l" defTabSz="914400" rtl="0" eaLnBrk="1" latinLnBrk="0" hangingPunct="1">
+              <a:lnSpc>
+                <a:spcPct val="90000"/>
+              </a:lnSpc>
+              <a:spcBef>
+                <a:spcPts val="500"/>
+              </a:spcBef>
+              <a:buFont typeface="Arial" panose="020B0604020202020204" pitchFamily="34" charset="0"/>
+              <a:buChar char="•"/>
+              <a:defRPr kumimoji="1" sz="2400" kern="1200">
+                <a:solidFill>
+                  <a:schemeClr val="tx1"/>
+                </a:solidFill>
+                <a:latin typeface="+mn-lt"/>
+                <a:ea typeface="+mn-ea"/>
+                <a:cs typeface="+mn-cs"/>
+              </a:defRPr>
+            </a:lvl2pPr>
+            <a:lvl3pPr marL="1143000" indent="-228600" algn="l" defTabSz="914400" rtl="0" eaLnBrk="1" latinLnBrk="0" hangingPunct="1">
+              <a:lnSpc>
+                <a:spcPct val="90000"/>
+              </a:lnSpc>
+              <a:spcBef>
+                <a:spcPts val="500"/>
+              </a:spcBef>
+              <a:buFont typeface="Arial" panose="020B0604020202020204" pitchFamily="34" charset="0"/>
+              <a:buChar char="•"/>
+              <a:defRPr kumimoji="1" sz="2000" kern="1200">
+                <a:solidFill>
+                  <a:schemeClr val="tx1"/>
+                </a:solidFill>
+                <a:latin typeface="+mn-lt"/>
+                <a:ea typeface="+mn-ea"/>
+                <a:cs typeface="+mn-cs"/>
+              </a:defRPr>
+            </a:lvl3pPr>
+            <a:lvl4pPr marL="1600200" indent="-228600" algn="l" defTabSz="914400" rtl="0" eaLnBrk="1" latinLnBrk="0" hangingPunct="1">
+              <a:lnSpc>
+                <a:spcPct val="90000"/>
+              </a:lnSpc>
+              <a:spcBef>
+                <a:spcPts val="500"/>
+              </a:spcBef>
+              <a:buFont typeface="Arial" panose="020B0604020202020204" pitchFamily="34" charset="0"/>
+              <a:buChar char="•"/>
+              <a:defRPr kumimoji="1" sz="1800" kern="1200">
+                <a:solidFill>
+                  <a:schemeClr val="tx1"/>
+                </a:solidFill>
+                <a:latin typeface="+mn-lt"/>
+                <a:ea typeface="+mn-ea"/>
+                <a:cs typeface="+mn-cs"/>
+              </a:defRPr>
+            </a:lvl4pPr>
+            <a:lvl5pPr marL="2057400" indent="-228600" algn="l" defTabSz="914400" rtl="0" eaLnBrk="1" latinLnBrk="0" hangingPunct="1">
+              <a:lnSpc>
+                <a:spcPct val="90000"/>
+              </a:lnSpc>
+              <a:spcBef>
+                <a:spcPts val="500"/>
+              </a:spcBef>
+              <a:buFont typeface="Arial" panose="020B0604020202020204" pitchFamily="34" charset="0"/>
+              <a:buChar char="•"/>
+              <a:defRPr kumimoji="1" sz="1800" kern="1200">
+                <a:solidFill>
+                  <a:schemeClr val="tx1"/>
+                </a:solidFill>
+                <a:latin typeface="+mn-lt"/>
+                <a:ea typeface="+mn-ea"/>
+                <a:cs typeface="+mn-cs"/>
+              </a:defRPr>
+            </a:lvl5pPr>
+            <a:lvl6pPr marL="2514600" indent="-228600" algn="l" defTabSz="914400" rtl="0" eaLnBrk="1" latinLnBrk="0" hangingPunct="1">
+              <a:lnSpc>
+                <a:spcPct val="90000"/>
+              </a:lnSpc>
+              <a:spcBef>
+                <a:spcPts val="500"/>
+              </a:spcBef>
+              <a:buFont typeface="Arial" panose="020B0604020202020204" pitchFamily="34" charset="0"/>
+              <a:buChar char="•"/>
+              <a:defRPr kumimoji="1" sz="1800" kern="1200">
+                <a:solidFill>
+                  <a:schemeClr val="tx1"/>
+                </a:solidFill>
+                <a:latin typeface="+mn-lt"/>
+                <a:ea typeface="+mn-ea"/>
+                <a:cs typeface="+mn-cs"/>
+              </a:defRPr>
+            </a:lvl6pPr>
+            <a:lvl7pPr marL="2971800" indent="-228600" algn="l" defTabSz="914400" rtl="0" eaLnBrk="1" latinLnBrk="0" hangingPunct="1">
+              <a:lnSpc>
+                <a:spcPct val="90000"/>
+              </a:lnSpc>
+              <a:spcBef>
+                <a:spcPts val="500"/>
+              </a:spcBef>
+              <a:buFont typeface="Arial" panose="020B0604020202020204" pitchFamily="34" charset="0"/>
+              <a:buChar char="•"/>
+              <a:defRPr kumimoji="1" sz="1800" kern="1200">
+                <a:solidFill>
+                  <a:schemeClr val="tx1"/>
+                </a:solidFill>
+                <a:latin typeface="+mn-lt"/>
+                <a:ea typeface="+mn-ea"/>
+                <a:cs typeface="+mn-cs"/>
+              </a:defRPr>
+            </a:lvl7pPr>
+            <a:lvl8pPr marL="3429000" indent="-228600" algn="l" defTabSz="914400" rtl="0" eaLnBrk="1" latinLnBrk="0" hangingPunct="1">
+              <a:lnSpc>
+                <a:spcPct val="90000"/>
+              </a:lnSpc>
+              <a:spcBef>
+                <a:spcPts val="500"/>
+              </a:spcBef>
+              <a:buFont typeface="Arial" panose="020B0604020202020204" pitchFamily="34" charset="0"/>
+              <a:buChar char="•"/>
+              <a:defRPr kumimoji="1" sz="1800" kern="1200">
+                <a:solidFill>
+                  <a:schemeClr val="tx1"/>
+                </a:solidFill>
+                <a:latin typeface="+mn-lt"/>
+                <a:ea typeface="+mn-ea"/>
+                <a:cs typeface="+mn-cs"/>
+              </a:defRPr>
+            </a:lvl8pPr>
+            <a:lvl9pPr marL="3886200" indent="-228600" algn="l" defTabSz="914400" rtl="0" eaLnBrk="1" latinLnBrk="0" hangingPunct="1">
+              <a:lnSpc>
+                <a:spcPct val="90000"/>
+              </a:lnSpc>
+              <a:spcBef>
+                <a:spcPts val="500"/>
+              </a:spcBef>
+              <a:buFont typeface="Arial" panose="020B0604020202020204" pitchFamily="34" charset="0"/>
+              <a:buChar char="•"/>
+              <a:defRPr kumimoji="1" sz="1800" kern="1200">
+                <a:solidFill>
+                  <a:schemeClr val="tx1"/>
+                </a:solidFill>
+                <a:latin typeface="+mn-lt"/>
+                <a:ea typeface="+mn-ea"/>
+                <a:cs typeface="+mn-cs"/>
+              </a:defRPr>
+            </a:lvl9pPr>
+          </a:lstStyle>
+          <a:p>
+            <a:r>
+              <a:rPr lang="en-US" altLang="ja-JP" dirty="0"/>
+              <a:t>Gender differences</a:t>
+            </a:r>
+            <a:endParaRPr lang="ja-JP" altLang="en-US" dirty="0"/>
+          </a:p>
+        </p:txBody>
+      </p:sp>
+      <p:sp>
+        <p:nvSpPr>
+          <p:cNvPr id="11" name="テキスト ボックス 10">
+            <a:extLst>
+              <a:ext uri="{FF2B5EF4-FFF2-40B4-BE49-F238E27FC236}">
+                <a16:creationId xmlns:a16="http://schemas.microsoft.com/office/drawing/2014/main" id="{413660E8-7347-B542-C80E-EA54568D4C5F}"/>
+              </a:ext>
+            </a:extLst>
+          </p:cNvPr>
+          <p:cNvSpPr txBox="1"/>
+          <p:nvPr/>
+        </p:nvSpPr>
+        <p:spPr>
+          <a:xfrm>
+            <a:off x="1068779" y="4422910"/>
+            <a:ext cx="1726755" cy="461665"/>
+          </a:xfrm>
+          <a:prstGeom prst="rect">
+            <a:avLst/>
+          </a:prstGeom>
+          <a:noFill/>
+        </p:spPr>
+        <p:txBody>
+          <a:bodyPr wrap="none" rtlCol="0">
+            <a:spAutoFit/>
+          </a:bodyPr>
+          <a:lstStyle/>
+          <a:p>
+            <a:r>
+              <a:rPr kumimoji="1" lang="en-US" altLang="ja-JP" sz="2400" dirty="0"/>
+              <a:t>men: 8.22s</a:t>
+            </a:r>
+            <a:endParaRPr kumimoji="1" lang="ja-JP" altLang="en-US" sz="2400" dirty="0"/>
+          </a:p>
+        </p:txBody>
+      </p:sp>
+      <p:sp>
+        <p:nvSpPr>
+          <p:cNvPr id="12" name="テキスト ボックス 11">
+            <a:extLst>
+              <a:ext uri="{FF2B5EF4-FFF2-40B4-BE49-F238E27FC236}">
+                <a16:creationId xmlns:a16="http://schemas.microsoft.com/office/drawing/2014/main" id="{C4AD7B70-1CFF-CB44-4A05-5E41BD0540E1}"/>
+              </a:ext>
+            </a:extLst>
+          </p:cNvPr>
+          <p:cNvSpPr txBox="1"/>
+          <p:nvPr/>
+        </p:nvSpPr>
+        <p:spPr>
+          <a:xfrm>
+            <a:off x="3558310" y="4422910"/>
+            <a:ext cx="2138727" cy="461665"/>
+          </a:xfrm>
+          <a:prstGeom prst="rect">
+            <a:avLst/>
+          </a:prstGeom>
+          <a:noFill/>
+        </p:spPr>
+        <p:txBody>
+          <a:bodyPr wrap="none" rtlCol="0">
+            <a:spAutoFit/>
+          </a:bodyPr>
+          <a:lstStyle/>
+          <a:p>
+            <a:r>
+              <a:rPr lang="en-US" altLang="ja-JP" sz="2400" dirty="0"/>
+              <a:t>wo</a:t>
+            </a:r>
+            <a:r>
+              <a:rPr kumimoji="1" lang="en-US" altLang="ja-JP" sz="2400" dirty="0"/>
+              <a:t>men: 8.84s</a:t>
+            </a:r>
+            <a:endParaRPr kumimoji="1" lang="ja-JP" altLang="en-US" sz="2400" dirty="0"/>
           </a:p>
         </p:txBody>
       </p:sp>
@@ -5594,6 +6590,21 @@
               <a:t>ur next goal is to research whether it helps prevent PIN peeping on smartphone as well as PC. Because 3 out of 14 people were able to find the real cursor, it can be evaluated as inadequate in terms of security.</a:t>
             </a:r>
           </a:p>
+          <a:p>
+            <a:pPr marL="0" indent="0">
+              <a:buNone/>
+            </a:pPr>
+            <a:endParaRPr lang="en-US" altLang="ja-JP" dirty="0"/>
+          </a:p>
+          <a:p>
+            <a:pPr marL="0" indent="0">
+              <a:buNone/>
+            </a:pPr>
+            <a:r>
+              <a:rPr lang="en-US" altLang="ja-JP" dirty="0"/>
+              <a:t>Another possible reason for the observer's ability to find the operator's cursor may be that the finger manipulation is more linked to the cursor movement than the mouse cursor manipulation</a:t>
+            </a:r>
+          </a:p>
         </p:txBody>
       </p:sp>
       <p:sp>
@@ -5660,7 +6671,7 @@
           <p:cNvPr id="2" name="タイトル 1">
             <a:extLst>
               <a:ext uri="{FF2B5EF4-FFF2-40B4-BE49-F238E27FC236}">
-                <a16:creationId xmlns:a16="http://schemas.microsoft.com/office/drawing/2014/main" id="{CFEEC50D-EA28-CBF4-2249-1967DD9EBC6B}"/>
+                <a16:creationId xmlns:a16="http://schemas.microsoft.com/office/drawing/2014/main" id="{54503C94-C2CD-B0E1-A122-5753B28387CA}"/>
               </a:ext>
             </a:extLst>
           </p:cNvPr>
@@ -5678,7 +6689,7 @@
           <a:p>
             <a:r>
               <a:rPr kumimoji="1" lang="en-US" altLang="ja-JP" dirty="0"/>
-              <a:t>Conclusion</a:t>
+              <a:t>Discussion</a:t>
             </a:r>
             <a:endParaRPr kumimoji="1" lang="ja-JP" altLang="en-US" dirty="0"/>
           </a:p>
@@ -5689,7 +6700,7 @@
           <p:cNvPr id="3" name="コンテンツ プレースホルダー 2">
             <a:extLst>
               <a:ext uri="{FF2B5EF4-FFF2-40B4-BE49-F238E27FC236}">
-                <a16:creationId xmlns:a16="http://schemas.microsoft.com/office/drawing/2014/main" id="{7B3FE556-D976-D2BC-DCC2-35D5A365CF9C}"/>
+                <a16:creationId xmlns:a16="http://schemas.microsoft.com/office/drawing/2014/main" id="{B77ECEA2-3C55-9828-DCD3-25129E04FFF1}"/>
               </a:ext>
             </a:extLst>
           </p:cNvPr>
@@ -5705,7 +6716,25 @@
           <a:bodyPr/>
           <a:lstStyle/>
           <a:p>
-            <a:endParaRPr kumimoji="1" lang="ja-JP" altLang="en-US"/>
+            <a:r>
+              <a:rPr lang="en-US" altLang="ja-JP" dirty="0"/>
+              <a:t>How does this change with screen size, number of dummies, and size?</a:t>
+            </a:r>
+          </a:p>
+          <a:p>
+            <a:endParaRPr lang="en-US" altLang="ja-JP" dirty="0"/>
+          </a:p>
+          <a:p>
+            <a:r>
+              <a:rPr lang="en-US" altLang="ja-JP" dirty="0"/>
+              <a:t>Almost no age or gender differences</a:t>
+            </a:r>
+          </a:p>
+          <a:p>
+            <a:endParaRPr lang="en-US" altLang="ja-JP" dirty="0"/>
+          </a:p>
+          <a:p>
+            <a:endParaRPr lang="en-US" altLang="ja-JP" dirty="0"/>
           </a:p>
         </p:txBody>
       </p:sp>
@@ -5714,7 +6743,7 @@
           <p:cNvPr id="4" name="スライド番号プレースホルダー 3">
             <a:extLst>
               <a:ext uri="{FF2B5EF4-FFF2-40B4-BE49-F238E27FC236}">
-                <a16:creationId xmlns:a16="http://schemas.microsoft.com/office/drawing/2014/main" id="{BBD8F417-9239-301F-EA20-3B700E8D66AE}"/>
+                <a16:creationId xmlns:a16="http://schemas.microsoft.com/office/drawing/2014/main" id="{1C91ADE4-E440-C757-D703-C031856F3747}"/>
               </a:ext>
             </a:extLst>
           </p:cNvPr>
@@ -5741,7 +6770,7 @@
     </p:spTree>
     <p:extLst>
       <p:ext uri="{BB962C8B-B14F-4D97-AF65-F5344CB8AC3E}">
-        <p14:creationId xmlns:p14="http://schemas.microsoft.com/office/powerpoint/2010/main" val="2245018427"/>
+        <p14:creationId xmlns:p14="http://schemas.microsoft.com/office/powerpoint/2010/main" val="2451300353"/>
       </p:ext>
     </p:extLst>
   </p:cSld>
@@ -5773,7 +6802,7 @@
           <p:cNvPr id="2" name="タイトル 1">
             <a:extLst>
               <a:ext uri="{FF2B5EF4-FFF2-40B4-BE49-F238E27FC236}">
-                <a16:creationId xmlns:a16="http://schemas.microsoft.com/office/drawing/2014/main" id="{2B55C293-9465-C754-572E-6BD30568E3FA}"/>
+                <a16:creationId xmlns:a16="http://schemas.microsoft.com/office/drawing/2014/main" id="{CFEEC50D-EA28-CBF4-2249-1967DD9EBC6B}"/>
               </a:ext>
             </a:extLst>
           </p:cNvPr>
@@ -5790,8 +6819,8 @@
           <a:lstStyle/>
           <a:p>
             <a:r>
-              <a:rPr lang="en-US" altLang="ja-JP" dirty="0"/>
-              <a:t>Reference</a:t>
+              <a:rPr kumimoji="1" lang="en-US" altLang="ja-JP" dirty="0"/>
+              <a:t>Conclusion</a:t>
             </a:r>
             <a:endParaRPr kumimoji="1" lang="ja-JP" altLang="en-US" dirty="0"/>
           </a:p>
@@ -5802,7 +6831,7 @@
           <p:cNvPr id="3" name="コンテンツ プレースホルダー 2">
             <a:extLst>
               <a:ext uri="{FF2B5EF4-FFF2-40B4-BE49-F238E27FC236}">
-                <a16:creationId xmlns:a16="http://schemas.microsoft.com/office/drawing/2014/main" id="{38871953-73FC-6A5C-438C-43A9A09B8DA1}"/>
+                <a16:creationId xmlns:a16="http://schemas.microsoft.com/office/drawing/2014/main" id="{7B3FE556-D976-D2BC-DCC2-35D5A365CF9C}"/>
               </a:ext>
             </a:extLst>
           </p:cNvPr>
@@ -5819,32 +6848,19 @@
           <a:lstStyle/>
           <a:p>
             <a:r>
-              <a:rPr lang="es-ES_tradnl" altLang="ja-JP" sz="2400" kern="100" dirty="0">
-                <a:effectLst/>
-                <a:latin typeface="Century" panose="02040604050505020304" pitchFamily="18" charset="0"/>
-                <a:ea typeface="ＭＳ 明朝" panose="02020609040205080304" pitchFamily="49" charset="-128"/>
-                <a:cs typeface="Times New Roman" panose="02020603050405020304" pitchFamily="18" charset="0"/>
-              </a:rPr>
-              <a:t>KeitaWatanabe, Fumito Higuchi, Masahiko Inami, Takeo Igarashi (2013). </a:t>
-            </a:r>
-            <a:r>
-              <a:rPr lang="en-US" altLang="ja-JP" sz="2400" kern="100" dirty="0">
-                <a:effectLst/>
-                <a:latin typeface="Century" panose="02040604050505020304" pitchFamily="18" charset="0"/>
-                <a:ea typeface="ＭＳ 明朝" panose="02020609040205080304" pitchFamily="49" charset="-128"/>
-                <a:cs typeface="Times New Roman" panose="02020603050405020304" pitchFamily="18" charset="0"/>
-              </a:rPr>
-              <a:t>Identification of Own Cursor from Multiple Dummy Cursors. IPSJ Interaction 2013. pp.25-31.</a:t>
-            </a:r>
-            <a:endParaRPr lang="ja-JP" altLang="ja-JP" sz="2400" kern="100">
-              <a:effectLst/>
-              <a:latin typeface="Century" panose="02040604050505020304" pitchFamily="18" charset="0"/>
-              <a:ea typeface="ＭＳ 明朝" panose="02020609040205080304" pitchFamily="49" charset="-128"/>
-              <a:cs typeface="Times New Roman" panose="02020603050405020304" pitchFamily="18" charset="0"/>
-            </a:endParaRPr>
-          </a:p>
-          <a:p>
-            <a:endParaRPr kumimoji="1" lang="ja-JP" altLang="en-US"/>
+              <a:rPr kumimoji="1" lang="en-US" altLang="ja-JP" dirty="0"/>
+              <a:t>A sense of self-possession exists even with the manipulation of fingers on a smartphone.</a:t>
+            </a:r>
+          </a:p>
+          <a:p>
+            <a:endParaRPr lang="en-US" altLang="ja-JP" dirty="0"/>
+          </a:p>
+          <a:p>
+            <a:r>
+              <a:rPr kumimoji="1" lang="en-US" altLang="ja-JP" dirty="0"/>
+              <a:t>There were things that observers found first.</a:t>
+            </a:r>
+            <a:endParaRPr kumimoji="1" lang="ja-JP" altLang="en-US" dirty="0"/>
           </a:p>
         </p:txBody>
       </p:sp>
@@ -5853,7 +6869,7 @@
           <p:cNvPr id="4" name="スライド番号プレースホルダー 3">
             <a:extLst>
               <a:ext uri="{FF2B5EF4-FFF2-40B4-BE49-F238E27FC236}">
-                <a16:creationId xmlns:a16="http://schemas.microsoft.com/office/drawing/2014/main" id="{540A820F-E48B-BAED-9ABB-6678E05E11D9}"/>
+                <a16:creationId xmlns:a16="http://schemas.microsoft.com/office/drawing/2014/main" id="{BBD8F417-9239-301F-EA20-3B700E8D66AE}"/>
               </a:ext>
             </a:extLst>
           </p:cNvPr>
@@ -5880,7 +6896,7 @@
     </p:spTree>
     <p:extLst>
       <p:ext uri="{BB962C8B-B14F-4D97-AF65-F5344CB8AC3E}">
-        <p14:creationId xmlns:p14="http://schemas.microsoft.com/office/powerpoint/2010/main" val="1005689537"/>
+        <p14:creationId xmlns:p14="http://schemas.microsoft.com/office/powerpoint/2010/main" val="2245018427"/>
       </p:ext>
     </p:extLst>
   </p:cSld>
